--- a/Python/Data Matrices/Data Matrices print.pptx
+++ b/Python/Data Matrices/Data Matrices print.pptx
@@ -254,7 +254,7 @@
           <a:p>
             <a:fld id="{8D58C36A-D845-495B-9F35-B963409554B1}" type="datetimeFigureOut">
               <a:rPr lang="nl-NL" smtClean="0"/>
-              <a:t>29-10-2020</a:t>
+              <a:t>30-10-2020</a:t>
             </a:fld>
             <a:endParaRPr lang="nl-NL"/>
           </a:p>
@@ -424,7 +424,7 @@
           <a:p>
             <a:fld id="{8D58C36A-D845-495B-9F35-B963409554B1}" type="datetimeFigureOut">
               <a:rPr lang="nl-NL" smtClean="0"/>
-              <a:t>29-10-2020</a:t>
+              <a:t>30-10-2020</a:t>
             </a:fld>
             <a:endParaRPr lang="nl-NL"/>
           </a:p>
@@ -604,7 +604,7 @@
           <a:p>
             <a:fld id="{8D58C36A-D845-495B-9F35-B963409554B1}" type="datetimeFigureOut">
               <a:rPr lang="nl-NL" smtClean="0"/>
-              <a:t>29-10-2020</a:t>
+              <a:t>30-10-2020</a:t>
             </a:fld>
             <a:endParaRPr lang="nl-NL"/>
           </a:p>
@@ -774,7 +774,7 @@
           <a:p>
             <a:fld id="{8D58C36A-D845-495B-9F35-B963409554B1}" type="datetimeFigureOut">
               <a:rPr lang="nl-NL" smtClean="0"/>
-              <a:t>29-10-2020</a:t>
+              <a:t>30-10-2020</a:t>
             </a:fld>
             <a:endParaRPr lang="nl-NL"/>
           </a:p>
@@ -1018,7 +1018,7 @@
           <a:p>
             <a:fld id="{8D58C36A-D845-495B-9F35-B963409554B1}" type="datetimeFigureOut">
               <a:rPr lang="nl-NL" smtClean="0"/>
-              <a:t>29-10-2020</a:t>
+              <a:t>30-10-2020</a:t>
             </a:fld>
             <a:endParaRPr lang="nl-NL"/>
           </a:p>
@@ -1250,7 +1250,7 @@
           <a:p>
             <a:fld id="{8D58C36A-D845-495B-9F35-B963409554B1}" type="datetimeFigureOut">
               <a:rPr lang="nl-NL" smtClean="0"/>
-              <a:t>29-10-2020</a:t>
+              <a:t>30-10-2020</a:t>
             </a:fld>
             <a:endParaRPr lang="nl-NL"/>
           </a:p>
@@ -1617,7 +1617,7 @@
           <a:p>
             <a:fld id="{8D58C36A-D845-495B-9F35-B963409554B1}" type="datetimeFigureOut">
               <a:rPr lang="nl-NL" smtClean="0"/>
-              <a:t>29-10-2020</a:t>
+              <a:t>30-10-2020</a:t>
             </a:fld>
             <a:endParaRPr lang="nl-NL"/>
           </a:p>
@@ -1735,7 +1735,7 @@
           <a:p>
             <a:fld id="{8D58C36A-D845-495B-9F35-B963409554B1}" type="datetimeFigureOut">
               <a:rPr lang="nl-NL" smtClean="0"/>
-              <a:t>29-10-2020</a:t>
+              <a:t>30-10-2020</a:t>
             </a:fld>
             <a:endParaRPr lang="nl-NL"/>
           </a:p>
@@ -1830,7 +1830,7 @@
           <a:p>
             <a:fld id="{8D58C36A-D845-495B-9F35-B963409554B1}" type="datetimeFigureOut">
               <a:rPr lang="nl-NL" smtClean="0"/>
-              <a:t>29-10-2020</a:t>
+              <a:t>30-10-2020</a:t>
             </a:fld>
             <a:endParaRPr lang="nl-NL"/>
           </a:p>
@@ -2107,7 +2107,7 @@
           <a:p>
             <a:fld id="{8D58C36A-D845-495B-9F35-B963409554B1}" type="datetimeFigureOut">
               <a:rPr lang="nl-NL" smtClean="0"/>
-              <a:t>29-10-2020</a:t>
+              <a:t>30-10-2020</a:t>
             </a:fld>
             <a:endParaRPr lang="nl-NL"/>
           </a:p>
@@ -2364,7 +2364,7 @@
           <a:p>
             <a:fld id="{8D58C36A-D845-495B-9F35-B963409554B1}" type="datetimeFigureOut">
               <a:rPr lang="nl-NL" smtClean="0"/>
-              <a:t>29-10-2020</a:t>
+              <a:t>30-10-2020</a:t>
             </a:fld>
             <a:endParaRPr lang="nl-NL"/>
           </a:p>
@@ -2577,7 +2577,7 @@
           <a:p>
             <a:fld id="{8D58C36A-D845-495B-9F35-B963409554B1}" type="datetimeFigureOut">
               <a:rPr lang="nl-NL" smtClean="0"/>
-              <a:t>29-10-2020</a:t>
+              <a:t>30-10-2020</a:t>
             </a:fld>
             <a:endParaRPr lang="nl-NL"/>
           </a:p>
@@ -3004,8 +3004,8 @@
         </p:blipFill>
         <p:spPr>
           <a:xfrm>
-            <a:off x="435585" y="307694"/>
-            <a:ext cx="190800" cy="190800"/>
+            <a:off x="325514" y="284716"/>
+            <a:ext cx="360000" cy="360000"/>
           </a:xfrm>
           <a:prstGeom prst="rect">
             <a:avLst/>
@@ -3034,8 +3034,8 @@
         </p:blipFill>
         <p:spPr>
           <a:xfrm>
-            <a:off x="650225" y="307694"/>
-            <a:ext cx="190800" cy="190800"/>
+            <a:off x="699516" y="284716"/>
+            <a:ext cx="360000" cy="360000"/>
           </a:xfrm>
           <a:prstGeom prst="rect">
             <a:avLst/>
@@ -3064,8 +3064,8 @@
         </p:blipFill>
         <p:spPr>
           <a:xfrm>
-            <a:off x="864865" y="307694"/>
-            <a:ext cx="190800" cy="190800"/>
+            <a:off x="1079614" y="284716"/>
+            <a:ext cx="360000" cy="360000"/>
           </a:xfrm>
           <a:prstGeom prst="rect">
             <a:avLst/>
@@ -3094,8 +3094,8 @@
         </p:blipFill>
         <p:spPr>
           <a:xfrm>
-            <a:off x="1079505" y="307694"/>
-            <a:ext cx="190800" cy="190800"/>
+            <a:off x="1459712" y="284716"/>
+            <a:ext cx="360000" cy="360000"/>
           </a:xfrm>
           <a:prstGeom prst="rect">
             <a:avLst/>
@@ -3124,8 +3124,8 @@
         </p:blipFill>
         <p:spPr>
           <a:xfrm>
-            <a:off x="1294145" y="307694"/>
-            <a:ext cx="190800" cy="190800"/>
+            <a:off x="1839810" y="284716"/>
+            <a:ext cx="360000" cy="360000"/>
           </a:xfrm>
           <a:prstGeom prst="rect">
             <a:avLst/>
@@ -3154,8 +3154,8 @@
         </p:blipFill>
         <p:spPr>
           <a:xfrm>
-            <a:off x="1508785" y="307694"/>
-            <a:ext cx="190800" cy="190800"/>
+            <a:off x="2219908" y="284716"/>
+            <a:ext cx="360000" cy="360000"/>
           </a:xfrm>
           <a:prstGeom prst="rect">
             <a:avLst/>
@@ -3184,8 +3184,8 @@
         </p:blipFill>
         <p:spPr>
           <a:xfrm>
-            <a:off x="1723425" y="307694"/>
-            <a:ext cx="190800" cy="190800"/>
+            <a:off x="2593910" y="284716"/>
+            <a:ext cx="360000" cy="360000"/>
           </a:xfrm>
           <a:prstGeom prst="rect">
             <a:avLst/>
@@ -3214,8 +3214,8 @@
         </p:blipFill>
         <p:spPr>
           <a:xfrm>
-            <a:off x="1938065" y="307694"/>
-            <a:ext cx="190800" cy="190800"/>
+            <a:off x="2974009" y="284716"/>
+            <a:ext cx="360000" cy="360000"/>
           </a:xfrm>
           <a:prstGeom prst="rect">
             <a:avLst/>
@@ -3244,8 +3244,8 @@
         </p:blipFill>
         <p:spPr>
           <a:xfrm>
-            <a:off x="2152705" y="307694"/>
-            <a:ext cx="190800" cy="190800"/>
+            <a:off x="325514" y="667735"/>
+            <a:ext cx="360000" cy="360000"/>
           </a:xfrm>
           <a:prstGeom prst="rect">
             <a:avLst/>
@@ -3274,8 +3274,8 @@
         </p:blipFill>
         <p:spPr>
           <a:xfrm>
-            <a:off x="2367345" y="307694"/>
-            <a:ext cx="190800" cy="190800"/>
+            <a:off x="698811" y="667735"/>
+            <a:ext cx="360000" cy="360000"/>
           </a:xfrm>
           <a:prstGeom prst="rect">
             <a:avLst/>
@@ -3304,8 +3304,8 @@
         </p:blipFill>
         <p:spPr>
           <a:xfrm>
-            <a:off x="2581985" y="307694"/>
-            <a:ext cx="190800" cy="190800"/>
+            <a:off x="1078204" y="667735"/>
+            <a:ext cx="360000" cy="360000"/>
           </a:xfrm>
           <a:prstGeom prst="rect">
             <a:avLst/>
@@ -3334,8 +3334,8 @@
         </p:blipFill>
         <p:spPr>
           <a:xfrm>
-            <a:off x="2796622" y="307694"/>
-            <a:ext cx="190800" cy="190800"/>
+            <a:off x="1457597" y="667735"/>
+            <a:ext cx="360000" cy="360000"/>
           </a:xfrm>
           <a:prstGeom prst="rect">
             <a:avLst/>
@@ -3364,8 +3364,8 @@
         </p:blipFill>
         <p:spPr>
           <a:xfrm>
-            <a:off x="435585" y="556145"/>
-            <a:ext cx="190800" cy="190800"/>
+            <a:off x="1843086" y="667735"/>
+            <a:ext cx="360000" cy="360000"/>
           </a:xfrm>
           <a:prstGeom prst="rect">
             <a:avLst/>
@@ -3394,8 +3394,8 @@
         </p:blipFill>
         <p:spPr>
           <a:xfrm>
-            <a:off x="650101" y="556145"/>
-            <a:ext cx="190800" cy="190800"/>
+            <a:off x="2216383" y="667735"/>
+            <a:ext cx="360000" cy="360000"/>
           </a:xfrm>
           <a:prstGeom prst="rect">
             <a:avLst/>
@@ -3424,8 +3424,8 @@
         </p:blipFill>
         <p:spPr>
           <a:xfrm>
-            <a:off x="864617" y="556145"/>
-            <a:ext cx="190800" cy="190800"/>
+            <a:off x="2595776" y="667735"/>
+            <a:ext cx="360000" cy="360000"/>
           </a:xfrm>
           <a:prstGeom prst="rect">
             <a:avLst/>
@@ -3454,8 +3454,8 @@
         </p:blipFill>
         <p:spPr>
           <a:xfrm>
-            <a:off x="1079133" y="556145"/>
-            <a:ext cx="190800" cy="190800"/>
+            <a:off x="2975168" y="667735"/>
+            <a:ext cx="360000" cy="360000"/>
           </a:xfrm>
           <a:prstGeom prst="rect">
             <a:avLst/>
@@ -3484,8 +3484,8 @@
         </p:blipFill>
         <p:spPr>
           <a:xfrm>
-            <a:off x="1293649" y="556145"/>
-            <a:ext cx="190800" cy="190800"/>
+            <a:off x="325514" y="1052448"/>
+            <a:ext cx="360000" cy="360000"/>
           </a:xfrm>
           <a:prstGeom prst="rect">
             <a:avLst/>
@@ -3514,8 +3514,8 @@
         </p:blipFill>
         <p:spPr>
           <a:xfrm>
-            <a:off x="1508165" y="556145"/>
-            <a:ext cx="190800" cy="190800"/>
+            <a:off x="704053" y="1052448"/>
+            <a:ext cx="360000" cy="360000"/>
           </a:xfrm>
           <a:prstGeom prst="rect">
             <a:avLst/>
@@ -3544,8 +3544,8 @@
         </p:blipFill>
         <p:spPr>
           <a:xfrm>
-            <a:off x="1722681" y="556145"/>
-            <a:ext cx="190800" cy="190800"/>
+            <a:off x="1082592" y="1052448"/>
+            <a:ext cx="360000" cy="360000"/>
           </a:xfrm>
           <a:prstGeom prst="rect">
             <a:avLst/>
@@ -3574,8 +3574,8 @@
         </p:blipFill>
         <p:spPr>
           <a:xfrm>
-            <a:off x="1937197" y="556145"/>
-            <a:ext cx="190800" cy="190800"/>
+            <a:off x="1461131" y="1052448"/>
+            <a:ext cx="360000" cy="360000"/>
           </a:xfrm>
           <a:prstGeom prst="rect">
             <a:avLst/>
@@ -3604,8 +3604,8 @@
         </p:blipFill>
         <p:spPr>
           <a:xfrm>
-            <a:off x="2151713" y="556145"/>
-            <a:ext cx="190800" cy="190800"/>
+            <a:off x="1839670" y="1052448"/>
+            <a:ext cx="360000" cy="360000"/>
           </a:xfrm>
           <a:prstGeom prst="rect">
             <a:avLst/>
@@ -3634,8 +3634,8 @@
         </p:blipFill>
         <p:spPr>
           <a:xfrm>
-            <a:off x="2366229" y="556145"/>
-            <a:ext cx="190800" cy="190800"/>
+            <a:off x="2218209" y="1052448"/>
+            <a:ext cx="360000" cy="360000"/>
           </a:xfrm>
           <a:prstGeom prst="rect">
             <a:avLst/>
@@ -3664,8 +3664,8 @@
         </p:blipFill>
         <p:spPr>
           <a:xfrm>
-            <a:off x="2580745" y="556145"/>
-            <a:ext cx="190800" cy="190800"/>
+            <a:off x="2596748" y="1052448"/>
+            <a:ext cx="360000" cy="360000"/>
           </a:xfrm>
           <a:prstGeom prst="rect">
             <a:avLst/>
@@ -3694,8 +3694,8 @@
         </p:blipFill>
         <p:spPr>
           <a:xfrm>
-            <a:off x="2795258" y="556145"/>
-            <a:ext cx="190800" cy="190800"/>
+            <a:off x="2975290" y="1052448"/>
+            <a:ext cx="360000" cy="360000"/>
           </a:xfrm>
           <a:prstGeom prst="rect">
             <a:avLst/>
@@ -3724,8 +3724,8 @@
         </p:blipFill>
         <p:spPr>
           <a:xfrm>
-            <a:off x="436663" y="811641"/>
-            <a:ext cx="190800" cy="190800"/>
+            <a:off x="3510674" y="674401"/>
+            <a:ext cx="360000" cy="360000"/>
           </a:xfrm>
           <a:prstGeom prst="rect">
             <a:avLst/>
@@ -3754,8 +3754,8 @@
         </p:blipFill>
         <p:spPr>
           <a:xfrm>
-            <a:off x="651057" y="811641"/>
-            <a:ext cx="190800" cy="190800"/>
+            <a:off x="3889030" y="674401"/>
+            <a:ext cx="360000" cy="360000"/>
           </a:xfrm>
           <a:prstGeom prst="rect">
             <a:avLst/>
@@ -3784,8 +3784,8 @@
         </p:blipFill>
         <p:spPr>
           <a:xfrm>
-            <a:off x="865451" y="811641"/>
-            <a:ext cx="190800" cy="190800"/>
+            <a:off x="4267386" y="674401"/>
+            <a:ext cx="360000" cy="360000"/>
           </a:xfrm>
           <a:prstGeom prst="rect">
             <a:avLst/>
@@ -3814,8 +3814,8 @@
         </p:blipFill>
         <p:spPr>
           <a:xfrm>
-            <a:off x="1079845" y="811641"/>
-            <a:ext cx="190800" cy="190800"/>
+            <a:off x="4645742" y="674401"/>
+            <a:ext cx="360000" cy="360000"/>
           </a:xfrm>
           <a:prstGeom prst="rect">
             <a:avLst/>
@@ -3844,8 +3844,8 @@
         </p:blipFill>
         <p:spPr>
           <a:xfrm>
-            <a:off x="1294239" y="811641"/>
-            <a:ext cx="190800" cy="190800"/>
+            <a:off x="3510674" y="1053764"/>
+            <a:ext cx="360000" cy="360000"/>
           </a:xfrm>
           <a:prstGeom prst="rect">
             <a:avLst/>
@@ -3874,8 +3874,8 @@
         </p:blipFill>
         <p:spPr>
           <a:xfrm>
-            <a:off x="1508633" y="811641"/>
-            <a:ext cx="190800" cy="190800"/>
+            <a:off x="3889030" y="1053764"/>
+            <a:ext cx="360000" cy="360000"/>
           </a:xfrm>
           <a:prstGeom prst="rect">
             <a:avLst/>
@@ -3904,8 +3904,8 @@
         </p:blipFill>
         <p:spPr>
           <a:xfrm>
-            <a:off x="1723027" y="811641"/>
-            <a:ext cx="190800" cy="190800"/>
+            <a:off x="4267386" y="1053764"/>
+            <a:ext cx="360000" cy="360000"/>
           </a:xfrm>
           <a:prstGeom prst="rect">
             <a:avLst/>
@@ -3934,8 +3934,8 @@
         </p:blipFill>
         <p:spPr>
           <a:xfrm>
-            <a:off x="1937421" y="811641"/>
-            <a:ext cx="190800" cy="190800"/>
+            <a:off x="4645742" y="1053764"/>
+            <a:ext cx="360000" cy="360000"/>
           </a:xfrm>
           <a:prstGeom prst="rect">
             <a:avLst/>
@@ -3964,8 +3964,8 @@
         </p:blipFill>
         <p:spPr>
           <a:xfrm>
-            <a:off x="2151815" y="811641"/>
-            <a:ext cx="190800" cy="190800"/>
+            <a:off x="5024098" y="674401"/>
+            <a:ext cx="360000" cy="360000"/>
           </a:xfrm>
           <a:prstGeom prst="rect">
             <a:avLst/>
@@ -3994,8 +3994,8 @@
         </p:blipFill>
         <p:spPr>
           <a:xfrm>
-            <a:off x="2366209" y="811641"/>
-            <a:ext cx="190800" cy="190800"/>
+            <a:off x="5402454" y="674401"/>
+            <a:ext cx="360000" cy="360000"/>
           </a:xfrm>
           <a:prstGeom prst="rect">
             <a:avLst/>
@@ -4024,8 +4024,8 @@
         </p:blipFill>
         <p:spPr>
           <a:xfrm>
-            <a:off x="2580603" y="811641"/>
-            <a:ext cx="190800" cy="190800"/>
+            <a:off x="5780810" y="674401"/>
+            <a:ext cx="360000" cy="360000"/>
           </a:xfrm>
           <a:prstGeom prst="rect">
             <a:avLst/>
@@ -4054,8 +4054,8 @@
         </p:blipFill>
         <p:spPr>
           <a:xfrm>
-            <a:off x="2795000" y="811641"/>
-            <a:ext cx="190800" cy="190800"/>
+            <a:off x="6159169" y="674401"/>
+            <a:ext cx="360000" cy="360000"/>
           </a:xfrm>
           <a:prstGeom prst="rect">
             <a:avLst/>
@@ -4084,8 +4084,8 @@
         </p:blipFill>
         <p:spPr>
           <a:xfrm>
-            <a:off x="3866797" y="276619"/>
-            <a:ext cx="190800" cy="190800"/>
+            <a:off x="5024098" y="1053764"/>
+            <a:ext cx="360000" cy="360000"/>
           </a:xfrm>
           <a:prstGeom prst="rect">
             <a:avLst/>
@@ -4114,8 +4114,8 @@
         </p:blipFill>
         <p:spPr>
           <a:xfrm>
-            <a:off x="4081106" y="276619"/>
-            <a:ext cx="190800" cy="190800"/>
+            <a:off x="5402454" y="1053764"/>
+            <a:ext cx="360000" cy="360000"/>
           </a:xfrm>
           <a:prstGeom prst="rect">
             <a:avLst/>
@@ -4144,8 +4144,8 @@
         </p:blipFill>
         <p:spPr>
           <a:xfrm>
-            <a:off x="4295415" y="276619"/>
-            <a:ext cx="190800" cy="190800"/>
+            <a:off x="5780810" y="1053764"/>
+            <a:ext cx="360000" cy="360000"/>
           </a:xfrm>
           <a:prstGeom prst="rect">
             <a:avLst/>
@@ -4174,8 +4174,8 @@
         </p:blipFill>
         <p:spPr>
           <a:xfrm>
-            <a:off x="4509724" y="276619"/>
-            <a:ext cx="190800" cy="190800"/>
+            <a:off x="6159169" y="1053764"/>
+            <a:ext cx="360000" cy="360000"/>
           </a:xfrm>
           <a:prstGeom prst="rect">
             <a:avLst/>
@@ -4204,8 +4204,8 @@
         </p:blipFill>
         <p:spPr>
           <a:xfrm>
-            <a:off x="4724033" y="276619"/>
-            <a:ext cx="190800" cy="190800"/>
+            <a:off x="325514" y="1972430"/>
+            <a:ext cx="360000" cy="360000"/>
           </a:xfrm>
           <a:prstGeom prst="rect">
             <a:avLst/>
@@ -4234,8 +4234,8 @@
         </p:blipFill>
         <p:spPr>
           <a:xfrm>
-            <a:off x="4938342" y="276619"/>
-            <a:ext cx="190800" cy="190800"/>
+            <a:off x="703870" y="1972430"/>
+            <a:ext cx="360000" cy="360000"/>
           </a:xfrm>
           <a:prstGeom prst="rect">
             <a:avLst/>
@@ -4264,8 +4264,8 @@
         </p:blipFill>
         <p:spPr>
           <a:xfrm>
-            <a:off x="5152651" y="276619"/>
-            <a:ext cx="190800" cy="190800"/>
+            <a:off x="1082226" y="1972430"/>
+            <a:ext cx="360000" cy="360000"/>
           </a:xfrm>
           <a:prstGeom prst="rect">
             <a:avLst/>
@@ -4294,8 +4294,8 @@
         </p:blipFill>
         <p:spPr>
           <a:xfrm>
-            <a:off x="5366960" y="276619"/>
-            <a:ext cx="190800" cy="190800"/>
+            <a:off x="1460582" y="1972430"/>
+            <a:ext cx="360000" cy="360000"/>
           </a:xfrm>
           <a:prstGeom prst="rect">
             <a:avLst/>
@@ -4324,8 +4324,8 @@
         </p:blipFill>
         <p:spPr>
           <a:xfrm>
-            <a:off x="5581269" y="276619"/>
-            <a:ext cx="190800" cy="190800"/>
+            <a:off x="1838938" y="1972430"/>
+            <a:ext cx="360000" cy="360000"/>
           </a:xfrm>
           <a:prstGeom prst="rect">
             <a:avLst/>
@@ -4354,8 +4354,8 @@
         </p:blipFill>
         <p:spPr>
           <a:xfrm>
-            <a:off x="5795578" y="276619"/>
-            <a:ext cx="190800" cy="190800"/>
+            <a:off x="2217294" y="1972430"/>
+            <a:ext cx="360000" cy="360000"/>
           </a:xfrm>
           <a:prstGeom prst="rect">
             <a:avLst/>
@@ -4384,8 +4384,8 @@
         </p:blipFill>
         <p:spPr>
           <a:xfrm>
-            <a:off x="6009887" y="276619"/>
-            <a:ext cx="190800" cy="190800"/>
+            <a:off x="2595650" y="1972430"/>
+            <a:ext cx="360000" cy="360000"/>
           </a:xfrm>
           <a:prstGeom prst="rect">
             <a:avLst/>
@@ -4414,8 +4414,8 @@
         </p:blipFill>
         <p:spPr>
           <a:xfrm>
-            <a:off x="6224200" y="276619"/>
-            <a:ext cx="190800" cy="190800"/>
+            <a:off x="2974009" y="1972430"/>
+            <a:ext cx="360000" cy="360000"/>
           </a:xfrm>
           <a:prstGeom prst="rect">
             <a:avLst/>
@@ -4444,8 +4444,8 @@
         </p:blipFill>
         <p:spPr>
           <a:xfrm>
-            <a:off x="3863811" y="543971"/>
-            <a:ext cx="190800" cy="190800"/>
+            <a:off x="3510674" y="285523"/>
+            <a:ext cx="360000" cy="360000"/>
           </a:xfrm>
           <a:prstGeom prst="rect">
             <a:avLst/>
@@ -4474,8 +4474,8 @@
         </p:blipFill>
         <p:spPr>
           <a:xfrm>
-            <a:off x="4078120" y="543971"/>
-            <a:ext cx="190800" cy="190800"/>
+            <a:off x="3889030" y="285523"/>
+            <a:ext cx="360000" cy="360000"/>
           </a:xfrm>
           <a:prstGeom prst="rect">
             <a:avLst/>
@@ -4504,8 +4504,8 @@
         </p:blipFill>
         <p:spPr>
           <a:xfrm>
-            <a:off x="4292429" y="543971"/>
-            <a:ext cx="190800" cy="190800"/>
+            <a:off x="4267386" y="285523"/>
+            <a:ext cx="360000" cy="360000"/>
           </a:xfrm>
           <a:prstGeom prst="rect">
             <a:avLst/>
@@ -4534,8 +4534,8 @@
         </p:blipFill>
         <p:spPr>
           <a:xfrm>
-            <a:off x="4506738" y="543971"/>
-            <a:ext cx="190800" cy="190800"/>
+            <a:off x="4645742" y="285523"/>
+            <a:ext cx="360000" cy="360000"/>
           </a:xfrm>
           <a:prstGeom prst="rect">
             <a:avLst/>
@@ -4564,8 +4564,8 @@
         </p:blipFill>
         <p:spPr>
           <a:xfrm>
-            <a:off x="4721047" y="543971"/>
-            <a:ext cx="190800" cy="190800"/>
+            <a:off x="5024098" y="285523"/>
+            <a:ext cx="360000" cy="360000"/>
           </a:xfrm>
           <a:prstGeom prst="rect">
             <a:avLst/>
@@ -4594,8 +4594,8 @@
         </p:blipFill>
         <p:spPr>
           <a:xfrm>
-            <a:off x="4935356" y="543971"/>
-            <a:ext cx="190800" cy="190800"/>
+            <a:off x="5402454" y="285523"/>
+            <a:ext cx="360000" cy="360000"/>
           </a:xfrm>
           <a:prstGeom prst="rect">
             <a:avLst/>
@@ -4624,8 +4624,8 @@
         </p:blipFill>
         <p:spPr>
           <a:xfrm>
-            <a:off x="5149665" y="543971"/>
-            <a:ext cx="190800" cy="190800"/>
+            <a:off x="5780810" y="285523"/>
+            <a:ext cx="360000" cy="360000"/>
           </a:xfrm>
           <a:prstGeom prst="rect">
             <a:avLst/>
@@ -4654,8 +4654,8 @@
         </p:blipFill>
         <p:spPr>
           <a:xfrm>
-            <a:off x="5363974" y="543971"/>
-            <a:ext cx="190800" cy="190800"/>
+            <a:off x="6159169" y="285523"/>
+            <a:ext cx="360000" cy="360000"/>
           </a:xfrm>
           <a:prstGeom prst="rect">
             <a:avLst/>
@@ -4684,8 +4684,8 @@
         </p:blipFill>
         <p:spPr>
           <a:xfrm>
-            <a:off x="5578283" y="543971"/>
-            <a:ext cx="190800" cy="190800"/>
+            <a:off x="325514" y="2366923"/>
+            <a:ext cx="360000" cy="360000"/>
           </a:xfrm>
           <a:prstGeom prst="rect">
             <a:avLst/>
@@ -4714,8 +4714,8 @@
         </p:blipFill>
         <p:spPr>
           <a:xfrm>
-            <a:off x="5792592" y="543971"/>
-            <a:ext cx="190800" cy="190800"/>
+            <a:off x="703870" y="2366923"/>
+            <a:ext cx="360000" cy="360000"/>
           </a:xfrm>
           <a:prstGeom prst="rect">
             <a:avLst/>
@@ -4744,8 +4744,8 @@
         </p:blipFill>
         <p:spPr>
           <a:xfrm>
-            <a:off x="6006901" y="543971"/>
-            <a:ext cx="190800" cy="190800"/>
+            <a:off x="1082226" y="2366923"/>
+            <a:ext cx="360000" cy="360000"/>
           </a:xfrm>
           <a:prstGeom prst="rect">
             <a:avLst/>
@@ -4774,8 +4774,8 @@
         </p:blipFill>
         <p:spPr>
           <a:xfrm>
-            <a:off x="6221214" y="543971"/>
-            <a:ext cx="190800" cy="190800"/>
+            <a:off x="1460582" y="2366923"/>
+            <a:ext cx="360000" cy="360000"/>
           </a:xfrm>
           <a:prstGeom prst="rect">
             <a:avLst/>
@@ -4804,8 +4804,8 @@
         </p:blipFill>
         <p:spPr>
           <a:xfrm>
-            <a:off x="3863811" y="787239"/>
-            <a:ext cx="190800" cy="190800"/>
+            <a:off x="1838938" y="2366923"/>
+            <a:ext cx="360000" cy="360000"/>
           </a:xfrm>
           <a:prstGeom prst="rect">
             <a:avLst/>
@@ -4834,8 +4834,8 @@
         </p:blipFill>
         <p:spPr>
           <a:xfrm>
-            <a:off x="4078392" y="787239"/>
-            <a:ext cx="190800" cy="190800"/>
+            <a:off x="2217294" y="2366923"/>
+            <a:ext cx="360000" cy="360000"/>
           </a:xfrm>
           <a:prstGeom prst="rect">
             <a:avLst/>
@@ -4864,8 +4864,8 @@
         </p:blipFill>
         <p:spPr>
           <a:xfrm>
-            <a:off x="4292973" y="787239"/>
-            <a:ext cx="190800" cy="190800"/>
+            <a:off x="2595650" y="2366923"/>
+            <a:ext cx="360000" cy="360000"/>
           </a:xfrm>
           <a:prstGeom prst="rect">
             <a:avLst/>
@@ -4894,8 +4894,8 @@
         </p:blipFill>
         <p:spPr>
           <a:xfrm>
-            <a:off x="4507554" y="787239"/>
-            <a:ext cx="190800" cy="190800"/>
+            <a:off x="2974009" y="2366923"/>
+            <a:ext cx="360000" cy="360000"/>
           </a:xfrm>
           <a:prstGeom prst="rect">
             <a:avLst/>
@@ -4924,8 +4924,8 @@
         </p:blipFill>
         <p:spPr>
           <a:xfrm>
-            <a:off x="4722135" y="787239"/>
-            <a:ext cx="190800" cy="190800"/>
+            <a:off x="325514" y="2756762"/>
+            <a:ext cx="360000" cy="360000"/>
           </a:xfrm>
           <a:prstGeom prst="rect">
             <a:avLst/>
@@ -4954,8 +4954,8 @@
         </p:blipFill>
         <p:spPr>
           <a:xfrm>
-            <a:off x="4936716" y="787239"/>
-            <a:ext cx="190800" cy="190800"/>
+            <a:off x="703870" y="2756762"/>
+            <a:ext cx="360000" cy="360000"/>
           </a:xfrm>
           <a:prstGeom prst="rect">
             <a:avLst/>
@@ -4984,8 +4984,8 @@
         </p:blipFill>
         <p:spPr>
           <a:xfrm>
-            <a:off x="5151297" y="787239"/>
-            <a:ext cx="190800" cy="190800"/>
+            <a:off x="1082226" y="2756762"/>
+            <a:ext cx="360000" cy="360000"/>
           </a:xfrm>
           <a:prstGeom prst="rect">
             <a:avLst/>
@@ -5014,8 +5014,8 @@
         </p:blipFill>
         <p:spPr>
           <a:xfrm>
-            <a:off x="5365878" y="787239"/>
-            <a:ext cx="190800" cy="190800"/>
+            <a:off x="1460582" y="2756762"/>
+            <a:ext cx="360000" cy="360000"/>
           </a:xfrm>
           <a:prstGeom prst="rect">
             <a:avLst/>
@@ -5044,8 +5044,8 @@
         </p:blipFill>
         <p:spPr>
           <a:xfrm>
-            <a:off x="5580459" y="787239"/>
-            <a:ext cx="190800" cy="190800"/>
+            <a:off x="1838938" y="2756762"/>
+            <a:ext cx="360000" cy="360000"/>
           </a:xfrm>
           <a:prstGeom prst="rect">
             <a:avLst/>
@@ -5074,8 +5074,8 @@
         </p:blipFill>
         <p:spPr>
           <a:xfrm>
-            <a:off x="5795040" y="787239"/>
-            <a:ext cx="190800" cy="190800"/>
+            <a:off x="2217294" y="2756762"/>
+            <a:ext cx="360000" cy="360000"/>
           </a:xfrm>
           <a:prstGeom prst="rect">
             <a:avLst/>
@@ -5104,8 +5104,8 @@
         </p:blipFill>
         <p:spPr>
           <a:xfrm>
-            <a:off x="6009621" y="787239"/>
-            <a:ext cx="190800" cy="190800"/>
+            <a:off x="2595650" y="2756762"/>
+            <a:ext cx="360000" cy="360000"/>
           </a:xfrm>
           <a:prstGeom prst="rect">
             <a:avLst/>
@@ -5134,137 +5134,17 @@
         </p:blipFill>
         <p:spPr>
           <a:xfrm>
-            <a:off x="6224200" y="787239"/>
-            <a:ext cx="190800" cy="190800"/>
-          </a:xfrm>
-          <a:prstGeom prst="rect">
-            <a:avLst/>
-          </a:prstGeom>
-        </p:spPr>
-      </p:pic>
-      <p:pic>
-        <p:nvPicPr>
-          <p:cNvPr id="152" name="Afbeelding 151"/>
-          <p:cNvPicPr>
-            <a:picLocks noChangeAspect="1"/>
-          </p:cNvPicPr>
-          <p:nvPr/>
-        </p:nvPicPr>
-        <p:blipFill>
-          <a:blip r:embed="rId74" cstate="print">
-            <a:extLst>
-              <a:ext uri="{28A0092B-C50C-407E-A947-70E740481C1C}">
-                <a14:useLocalDpi xmlns:a14="http://schemas.microsoft.com/office/drawing/2010/main" val="0"/>
-              </a:ext>
-            </a:extLst>
-          </a:blip>
-          <a:stretch>
-            <a:fillRect/>
-          </a:stretch>
-        </p:blipFill>
-        <p:spPr>
-          <a:xfrm>
-            <a:off x="3030716" y="307694"/>
-            <a:ext cx="190800" cy="190800"/>
-          </a:xfrm>
-          <a:prstGeom prst="rect">
-            <a:avLst/>
-          </a:prstGeom>
-        </p:spPr>
-      </p:pic>
-      <p:pic>
-        <p:nvPicPr>
-          <p:cNvPr id="153" name="Afbeelding 152"/>
-          <p:cNvPicPr>
-            <a:picLocks noChangeAspect="1"/>
-          </p:cNvPicPr>
-          <p:nvPr/>
-        </p:nvPicPr>
-        <p:blipFill>
-          <a:blip r:embed="rId75" cstate="print">
-            <a:extLst>
-              <a:ext uri="{28A0092B-C50C-407E-A947-70E740481C1C}">
-                <a14:useLocalDpi xmlns:a14="http://schemas.microsoft.com/office/drawing/2010/main" val="0"/>
-              </a:ext>
-            </a:extLst>
-          </a:blip>
-          <a:stretch>
-            <a:fillRect/>
-          </a:stretch>
-        </p:blipFill>
-        <p:spPr>
-          <a:xfrm>
-            <a:off x="3030716" y="556145"/>
-            <a:ext cx="190800" cy="190800"/>
-          </a:xfrm>
-          <a:prstGeom prst="rect">
-            <a:avLst/>
-          </a:prstGeom>
-        </p:spPr>
-      </p:pic>
-      <p:pic>
-        <p:nvPicPr>
-          <p:cNvPr id="154" name="Afbeelding 153"/>
-          <p:cNvPicPr>
-            <a:picLocks noChangeAspect="1"/>
-          </p:cNvPicPr>
-          <p:nvPr/>
-        </p:nvPicPr>
-        <p:blipFill>
-          <a:blip r:embed="rId76" cstate="print">
-            <a:extLst>
-              <a:ext uri="{28A0092B-C50C-407E-A947-70E740481C1C}">
-                <a14:useLocalDpi xmlns:a14="http://schemas.microsoft.com/office/drawing/2010/main" val="0"/>
-              </a:ext>
-            </a:extLst>
-          </a:blip>
-          <a:stretch>
-            <a:fillRect/>
-          </a:stretch>
-        </p:blipFill>
-        <p:spPr>
-          <a:xfrm>
-            <a:off x="3629917" y="284716"/>
-            <a:ext cx="190800" cy="190800"/>
-          </a:xfrm>
-          <a:prstGeom prst="rect">
-            <a:avLst/>
-          </a:prstGeom>
-        </p:spPr>
-      </p:pic>
-      <p:pic>
-        <p:nvPicPr>
-          <p:cNvPr id="155" name="Afbeelding 154"/>
-          <p:cNvPicPr>
-            <a:picLocks noChangeAspect="1"/>
-          </p:cNvPicPr>
-          <p:nvPr/>
-        </p:nvPicPr>
-        <p:blipFill>
-          <a:blip r:embed="rId77" cstate="print">
-            <a:extLst>
-              <a:ext uri="{28A0092B-C50C-407E-A947-70E740481C1C}">
-                <a14:useLocalDpi xmlns:a14="http://schemas.microsoft.com/office/drawing/2010/main" val="0"/>
-              </a:ext>
-            </a:extLst>
-          </a:blip>
-          <a:stretch>
-            <a:fillRect/>
-          </a:stretch>
-        </p:blipFill>
-        <p:spPr>
-          <a:xfrm>
-            <a:off x="3629917" y="556145"/>
-            <a:ext cx="190800" cy="190800"/>
-          </a:xfrm>
-          <a:prstGeom prst="rect">
-            <a:avLst/>
-          </a:prstGeom>
-        </p:spPr>
-      </p:pic>
-      <p:pic>
-        <p:nvPicPr>
-          <p:cNvPr id="82" name="Afbeelding 81"/>
+            <a:off x="2974009" y="2756762"/>
+            <a:ext cx="360000" cy="360000"/>
+          </a:xfrm>
+          <a:prstGeom prst="rect">
+            <a:avLst/>
+          </a:prstGeom>
+        </p:spPr>
+      </p:pic>
+      <p:pic>
+        <p:nvPicPr>
+          <p:cNvPr id="311" name="Afbeelding 310"/>
           <p:cNvPicPr>
             <a:picLocks noChangeAspect="1"/>
           </p:cNvPicPr>
@@ -5284,17 +5164,17 @@
         </p:blipFill>
         <p:spPr>
           <a:xfrm>
-            <a:off x="435443" y="1525384"/>
-            <a:ext cx="190800" cy="190800"/>
-          </a:xfrm>
-          <a:prstGeom prst="rect">
-            <a:avLst/>
-          </a:prstGeom>
-        </p:spPr>
-      </p:pic>
-      <p:pic>
-        <p:nvPicPr>
-          <p:cNvPr id="83" name="Afbeelding 82"/>
+            <a:off x="325513" y="3524716"/>
+            <a:ext cx="360000" cy="360000"/>
+          </a:xfrm>
+          <a:prstGeom prst="rect">
+            <a:avLst/>
+          </a:prstGeom>
+        </p:spPr>
+      </p:pic>
+      <p:pic>
+        <p:nvPicPr>
+          <p:cNvPr id="312" name="Afbeelding 311"/>
           <p:cNvPicPr>
             <a:picLocks noChangeAspect="1"/>
           </p:cNvPicPr>
@@ -5314,17 +5194,17 @@
         </p:blipFill>
         <p:spPr>
           <a:xfrm>
-            <a:off x="650083" y="1525384"/>
-            <a:ext cx="190800" cy="190800"/>
-          </a:xfrm>
-          <a:prstGeom prst="rect">
-            <a:avLst/>
-          </a:prstGeom>
-        </p:spPr>
-      </p:pic>
-      <p:pic>
-        <p:nvPicPr>
-          <p:cNvPr id="156" name="Afbeelding 155"/>
+            <a:off x="699515" y="3524716"/>
+            <a:ext cx="360000" cy="360000"/>
+          </a:xfrm>
+          <a:prstGeom prst="rect">
+            <a:avLst/>
+          </a:prstGeom>
+        </p:spPr>
+      </p:pic>
+      <p:pic>
+        <p:nvPicPr>
+          <p:cNvPr id="313" name="Afbeelding 312"/>
           <p:cNvPicPr>
             <a:picLocks noChangeAspect="1"/>
           </p:cNvPicPr>
@@ -5344,17 +5224,17 @@
         </p:blipFill>
         <p:spPr>
           <a:xfrm>
-            <a:off x="864723" y="1525384"/>
-            <a:ext cx="190800" cy="190800"/>
-          </a:xfrm>
-          <a:prstGeom prst="rect">
-            <a:avLst/>
-          </a:prstGeom>
-        </p:spPr>
-      </p:pic>
-      <p:pic>
-        <p:nvPicPr>
-          <p:cNvPr id="157" name="Afbeelding 156"/>
+            <a:off x="1079613" y="3524716"/>
+            <a:ext cx="360000" cy="360000"/>
+          </a:xfrm>
+          <a:prstGeom prst="rect">
+            <a:avLst/>
+          </a:prstGeom>
+        </p:spPr>
+      </p:pic>
+      <p:pic>
+        <p:nvPicPr>
+          <p:cNvPr id="314" name="Afbeelding 313"/>
           <p:cNvPicPr>
             <a:picLocks noChangeAspect="1"/>
           </p:cNvPicPr>
@@ -5374,17 +5254,17 @@
         </p:blipFill>
         <p:spPr>
           <a:xfrm>
-            <a:off x="1079363" y="1525384"/>
-            <a:ext cx="190800" cy="190800"/>
-          </a:xfrm>
-          <a:prstGeom prst="rect">
-            <a:avLst/>
-          </a:prstGeom>
-        </p:spPr>
-      </p:pic>
-      <p:pic>
-        <p:nvPicPr>
-          <p:cNvPr id="158" name="Afbeelding 157"/>
+            <a:off x="1459711" y="3524716"/>
+            <a:ext cx="360000" cy="360000"/>
+          </a:xfrm>
+          <a:prstGeom prst="rect">
+            <a:avLst/>
+          </a:prstGeom>
+        </p:spPr>
+      </p:pic>
+      <p:pic>
+        <p:nvPicPr>
+          <p:cNvPr id="315" name="Afbeelding 314"/>
           <p:cNvPicPr>
             <a:picLocks noChangeAspect="1"/>
           </p:cNvPicPr>
@@ -5404,17 +5284,17 @@
         </p:blipFill>
         <p:spPr>
           <a:xfrm>
-            <a:off x="1294003" y="1525384"/>
-            <a:ext cx="190800" cy="190800"/>
-          </a:xfrm>
-          <a:prstGeom prst="rect">
-            <a:avLst/>
-          </a:prstGeom>
-        </p:spPr>
-      </p:pic>
-      <p:pic>
-        <p:nvPicPr>
-          <p:cNvPr id="159" name="Afbeelding 158"/>
+            <a:off x="1839809" y="3524716"/>
+            <a:ext cx="360000" cy="360000"/>
+          </a:xfrm>
+          <a:prstGeom prst="rect">
+            <a:avLst/>
+          </a:prstGeom>
+        </p:spPr>
+      </p:pic>
+      <p:pic>
+        <p:nvPicPr>
+          <p:cNvPr id="316" name="Afbeelding 315"/>
           <p:cNvPicPr>
             <a:picLocks noChangeAspect="1"/>
           </p:cNvPicPr>
@@ -5434,17 +5314,17 @@
         </p:blipFill>
         <p:spPr>
           <a:xfrm>
-            <a:off x="1508643" y="1525384"/>
-            <a:ext cx="190800" cy="190800"/>
-          </a:xfrm>
-          <a:prstGeom prst="rect">
-            <a:avLst/>
-          </a:prstGeom>
-        </p:spPr>
-      </p:pic>
-      <p:pic>
-        <p:nvPicPr>
-          <p:cNvPr id="160" name="Afbeelding 159"/>
+            <a:off x="2219907" y="3524716"/>
+            <a:ext cx="360000" cy="360000"/>
+          </a:xfrm>
+          <a:prstGeom prst="rect">
+            <a:avLst/>
+          </a:prstGeom>
+        </p:spPr>
+      </p:pic>
+      <p:pic>
+        <p:nvPicPr>
+          <p:cNvPr id="317" name="Afbeelding 316"/>
           <p:cNvPicPr>
             <a:picLocks noChangeAspect="1"/>
           </p:cNvPicPr>
@@ -5464,17 +5344,17 @@
         </p:blipFill>
         <p:spPr>
           <a:xfrm>
-            <a:off x="1723283" y="1525384"/>
-            <a:ext cx="190800" cy="190800"/>
-          </a:xfrm>
-          <a:prstGeom prst="rect">
-            <a:avLst/>
-          </a:prstGeom>
-        </p:spPr>
-      </p:pic>
-      <p:pic>
-        <p:nvPicPr>
-          <p:cNvPr id="161" name="Afbeelding 160"/>
+            <a:off x="2593909" y="3524716"/>
+            <a:ext cx="360000" cy="360000"/>
+          </a:xfrm>
+          <a:prstGeom prst="rect">
+            <a:avLst/>
+          </a:prstGeom>
+        </p:spPr>
+      </p:pic>
+      <p:pic>
+        <p:nvPicPr>
+          <p:cNvPr id="318" name="Afbeelding 317"/>
           <p:cNvPicPr>
             <a:picLocks noChangeAspect="1"/>
           </p:cNvPicPr>
@@ -5494,17 +5374,17 @@
         </p:blipFill>
         <p:spPr>
           <a:xfrm>
-            <a:off x="1937923" y="1525384"/>
-            <a:ext cx="190800" cy="190800"/>
-          </a:xfrm>
-          <a:prstGeom prst="rect">
-            <a:avLst/>
-          </a:prstGeom>
-        </p:spPr>
-      </p:pic>
-      <p:pic>
-        <p:nvPicPr>
-          <p:cNvPr id="162" name="Afbeelding 161"/>
+            <a:off x="2974008" y="3524716"/>
+            <a:ext cx="360000" cy="360000"/>
+          </a:xfrm>
+          <a:prstGeom prst="rect">
+            <a:avLst/>
+          </a:prstGeom>
+        </p:spPr>
+      </p:pic>
+      <p:pic>
+        <p:nvPicPr>
+          <p:cNvPr id="319" name="Afbeelding 318"/>
           <p:cNvPicPr>
             <a:picLocks noChangeAspect="1"/>
           </p:cNvPicPr>
@@ -5524,17 +5404,17 @@
         </p:blipFill>
         <p:spPr>
           <a:xfrm>
-            <a:off x="2152563" y="1525384"/>
-            <a:ext cx="190800" cy="190800"/>
-          </a:xfrm>
-          <a:prstGeom prst="rect">
-            <a:avLst/>
-          </a:prstGeom>
-        </p:spPr>
-      </p:pic>
-      <p:pic>
-        <p:nvPicPr>
-          <p:cNvPr id="163" name="Afbeelding 162"/>
+            <a:off x="325513" y="3907735"/>
+            <a:ext cx="360000" cy="360000"/>
+          </a:xfrm>
+          <a:prstGeom prst="rect">
+            <a:avLst/>
+          </a:prstGeom>
+        </p:spPr>
+      </p:pic>
+      <p:pic>
+        <p:nvPicPr>
+          <p:cNvPr id="320" name="Afbeelding 319"/>
           <p:cNvPicPr>
             <a:picLocks noChangeAspect="1"/>
           </p:cNvPicPr>
@@ -5554,17 +5434,17 @@
         </p:blipFill>
         <p:spPr>
           <a:xfrm>
-            <a:off x="2367203" y="1525384"/>
-            <a:ext cx="190800" cy="190800"/>
-          </a:xfrm>
-          <a:prstGeom prst="rect">
-            <a:avLst/>
-          </a:prstGeom>
-        </p:spPr>
-      </p:pic>
-      <p:pic>
-        <p:nvPicPr>
-          <p:cNvPr id="164" name="Afbeelding 163"/>
+            <a:off x="698810" y="3907735"/>
+            <a:ext cx="360000" cy="360000"/>
+          </a:xfrm>
+          <a:prstGeom prst="rect">
+            <a:avLst/>
+          </a:prstGeom>
+        </p:spPr>
+      </p:pic>
+      <p:pic>
+        <p:nvPicPr>
+          <p:cNvPr id="321" name="Afbeelding 320"/>
           <p:cNvPicPr>
             <a:picLocks noChangeAspect="1"/>
           </p:cNvPicPr>
@@ -5584,17 +5464,17 @@
         </p:blipFill>
         <p:spPr>
           <a:xfrm>
-            <a:off x="2581843" y="1525384"/>
-            <a:ext cx="190800" cy="190800"/>
-          </a:xfrm>
-          <a:prstGeom prst="rect">
-            <a:avLst/>
-          </a:prstGeom>
-        </p:spPr>
-      </p:pic>
-      <p:pic>
-        <p:nvPicPr>
-          <p:cNvPr id="165" name="Afbeelding 164"/>
+            <a:off x="1078203" y="3907735"/>
+            <a:ext cx="360000" cy="360000"/>
+          </a:xfrm>
+          <a:prstGeom prst="rect">
+            <a:avLst/>
+          </a:prstGeom>
+        </p:spPr>
+      </p:pic>
+      <p:pic>
+        <p:nvPicPr>
+          <p:cNvPr id="322" name="Afbeelding 321"/>
           <p:cNvPicPr>
             <a:picLocks noChangeAspect="1"/>
           </p:cNvPicPr>
@@ -5614,17 +5494,17 @@
         </p:blipFill>
         <p:spPr>
           <a:xfrm>
-            <a:off x="2796480" y="1525384"/>
-            <a:ext cx="190800" cy="190800"/>
-          </a:xfrm>
-          <a:prstGeom prst="rect">
-            <a:avLst/>
-          </a:prstGeom>
-        </p:spPr>
-      </p:pic>
-      <p:pic>
-        <p:nvPicPr>
-          <p:cNvPr id="166" name="Afbeelding 165"/>
+            <a:off x="1457596" y="3907735"/>
+            <a:ext cx="360000" cy="360000"/>
+          </a:xfrm>
+          <a:prstGeom prst="rect">
+            <a:avLst/>
+          </a:prstGeom>
+        </p:spPr>
+      </p:pic>
+      <p:pic>
+        <p:nvPicPr>
+          <p:cNvPr id="323" name="Afbeelding 322"/>
           <p:cNvPicPr>
             <a:picLocks noChangeAspect="1"/>
           </p:cNvPicPr>
@@ -5644,17 +5524,17 @@
         </p:blipFill>
         <p:spPr>
           <a:xfrm>
-            <a:off x="435443" y="1773835"/>
-            <a:ext cx="190800" cy="190800"/>
-          </a:xfrm>
-          <a:prstGeom prst="rect">
-            <a:avLst/>
-          </a:prstGeom>
-        </p:spPr>
-      </p:pic>
-      <p:pic>
-        <p:nvPicPr>
-          <p:cNvPr id="167" name="Afbeelding 166"/>
+            <a:off x="1843085" y="3907735"/>
+            <a:ext cx="360000" cy="360000"/>
+          </a:xfrm>
+          <a:prstGeom prst="rect">
+            <a:avLst/>
+          </a:prstGeom>
+        </p:spPr>
+      </p:pic>
+      <p:pic>
+        <p:nvPicPr>
+          <p:cNvPr id="324" name="Afbeelding 323"/>
           <p:cNvPicPr>
             <a:picLocks noChangeAspect="1"/>
           </p:cNvPicPr>
@@ -5674,17 +5554,17 @@
         </p:blipFill>
         <p:spPr>
           <a:xfrm>
-            <a:off x="649959" y="1773835"/>
-            <a:ext cx="190800" cy="190800"/>
-          </a:xfrm>
-          <a:prstGeom prst="rect">
-            <a:avLst/>
-          </a:prstGeom>
-        </p:spPr>
-      </p:pic>
-      <p:pic>
-        <p:nvPicPr>
-          <p:cNvPr id="168" name="Afbeelding 167"/>
+            <a:off x="2216382" y="3907735"/>
+            <a:ext cx="360000" cy="360000"/>
+          </a:xfrm>
+          <a:prstGeom prst="rect">
+            <a:avLst/>
+          </a:prstGeom>
+        </p:spPr>
+      </p:pic>
+      <p:pic>
+        <p:nvPicPr>
+          <p:cNvPr id="325" name="Afbeelding 324"/>
           <p:cNvPicPr>
             <a:picLocks noChangeAspect="1"/>
           </p:cNvPicPr>
@@ -5704,17 +5584,17 @@
         </p:blipFill>
         <p:spPr>
           <a:xfrm>
-            <a:off x="864475" y="1773835"/>
-            <a:ext cx="190800" cy="190800"/>
-          </a:xfrm>
-          <a:prstGeom prst="rect">
-            <a:avLst/>
-          </a:prstGeom>
-        </p:spPr>
-      </p:pic>
-      <p:pic>
-        <p:nvPicPr>
-          <p:cNvPr id="169" name="Afbeelding 168"/>
+            <a:off x="2595775" y="3907735"/>
+            <a:ext cx="360000" cy="360000"/>
+          </a:xfrm>
+          <a:prstGeom prst="rect">
+            <a:avLst/>
+          </a:prstGeom>
+        </p:spPr>
+      </p:pic>
+      <p:pic>
+        <p:nvPicPr>
+          <p:cNvPr id="326" name="Afbeelding 325"/>
           <p:cNvPicPr>
             <a:picLocks noChangeAspect="1"/>
           </p:cNvPicPr>
@@ -5734,17 +5614,17 @@
         </p:blipFill>
         <p:spPr>
           <a:xfrm>
-            <a:off x="1078991" y="1773835"/>
-            <a:ext cx="190800" cy="190800"/>
-          </a:xfrm>
-          <a:prstGeom prst="rect">
-            <a:avLst/>
-          </a:prstGeom>
-        </p:spPr>
-      </p:pic>
-      <p:pic>
-        <p:nvPicPr>
-          <p:cNvPr id="170" name="Afbeelding 169"/>
+            <a:off x="2975167" y="3907735"/>
+            <a:ext cx="360000" cy="360000"/>
+          </a:xfrm>
+          <a:prstGeom prst="rect">
+            <a:avLst/>
+          </a:prstGeom>
+        </p:spPr>
+      </p:pic>
+      <p:pic>
+        <p:nvPicPr>
+          <p:cNvPr id="327" name="Afbeelding 326"/>
           <p:cNvPicPr>
             <a:picLocks noChangeAspect="1"/>
           </p:cNvPicPr>
@@ -5764,17 +5644,17 @@
         </p:blipFill>
         <p:spPr>
           <a:xfrm>
-            <a:off x="1293507" y="1773835"/>
-            <a:ext cx="190800" cy="190800"/>
-          </a:xfrm>
-          <a:prstGeom prst="rect">
-            <a:avLst/>
-          </a:prstGeom>
-        </p:spPr>
-      </p:pic>
-      <p:pic>
-        <p:nvPicPr>
-          <p:cNvPr id="171" name="Afbeelding 170"/>
+            <a:off x="325513" y="4292448"/>
+            <a:ext cx="360000" cy="360000"/>
+          </a:xfrm>
+          <a:prstGeom prst="rect">
+            <a:avLst/>
+          </a:prstGeom>
+        </p:spPr>
+      </p:pic>
+      <p:pic>
+        <p:nvPicPr>
+          <p:cNvPr id="328" name="Afbeelding 327"/>
           <p:cNvPicPr>
             <a:picLocks noChangeAspect="1"/>
           </p:cNvPicPr>
@@ -5794,17 +5674,17 @@
         </p:blipFill>
         <p:spPr>
           <a:xfrm>
-            <a:off x="1508023" y="1773835"/>
-            <a:ext cx="190800" cy="190800"/>
-          </a:xfrm>
-          <a:prstGeom prst="rect">
-            <a:avLst/>
-          </a:prstGeom>
-        </p:spPr>
-      </p:pic>
-      <p:pic>
-        <p:nvPicPr>
-          <p:cNvPr id="172" name="Afbeelding 171"/>
+            <a:off x="704052" y="4292448"/>
+            <a:ext cx="360000" cy="360000"/>
+          </a:xfrm>
+          <a:prstGeom prst="rect">
+            <a:avLst/>
+          </a:prstGeom>
+        </p:spPr>
+      </p:pic>
+      <p:pic>
+        <p:nvPicPr>
+          <p:cNvPr id="329" name="Afbeelding 328"/>
           <p:cNvPicPr>
             <a:picLocks noChangeAspect="1"/>
           </p:cNvPicPr>
@@ -5824,17 +5704,17 @@
         </p:blipFill>
         <p:spPr>
           <a:xfrm>
-            <a:off x="1722539" y="1773835"/>
-            <a:ext cx="190800" cy="190800"/>
-          </a:xfrm>
-          <a:prstGeom prst="rect">
-            <a:avLst/>
-          </a:prstGeom>
-        </p:spPr>
-      </p:pic>
-      <p:pic>
-        <p:nvPicPr>
-          <p:cNvPr id="173" name="Afbeelding 172"/>
+            <a:off x="1082591" y="4292448"/>
+            <a:ext cx="360000" cy="360000"/>
+          </a:xfrm>
+          <a:prstGeom prst="rect">
+            <a:avLst/>
+          </a:prstGeom>
+        </p:spPr>
+      </p:pic>
+      <p:pic>
+        <p:nvPicPr>
+          <p:cNvPr id="330" name="Afbeelding 329"/>
           <p:cNvPicPr>
             <a:picLocks noChangeAspect="1"/>
           </p:cNvPicPr>
@@ -5854,17 +5734,17 @@
         </p:blipFill>
         <p:spPr>
           <a:xfrm>
-            <a:off x="1937055" y="1773835"/>
-            <a:ext cx="190800" cy="190800"/>
-          </a:xfrm>
-          <a:prstGeom prst="rect">
-            <a:avLst/>
-          </a:prstGeom>
-        </p:spPr>
-      </p:pic>
-      <p:pic>
-        <p:nvPicPr>
-          <p:cNvPr id="174" name="Afbeelding 173"/>
+            <a:off x="1461130" y="4292448"/>
+            <a:ext cx="360000" cy="360000"/>
+          </a:xfrm>
+          <a:prstGeom prst="rect">
+            <a:avLst/>
+          </a:prstGeom>
+        </p:spPr>
+      </p:pic>
+      <p:pic>
+        <p:nvPicPr>
+          <p:cNvPr id="331" name="Afbeelding 330"/>
           <p:cNvPicPr>
             <a:picLocks noChangeAspect="1"/>
           </p:cNvPicPr>
@@ -5884,17 +5764,17 @@
         </p:blipFill>
         <p:spPr>
           <a:xfrm>
-            <a:off x="2151571" y="1773835"/>
-            <a:ext cx="190800" cy="190800"/>
-          </a:xfrm>
-          <a:prstGeom prst="rect">
-            <a:avLst/>
-          </a:prstGeom>
-        </p:spPr>
-      </p:pic>
-      <p:pic>
-        <p:nvPicPr>
-          <p:cNvPr id="175" name="Afbeelding 174"/>
+            <a:off x="1839669" y="4292448"/>
+            <a:ext cx="360000" cy="360000"/>
+          </a:xfrm>
+          <a:prstGeom prst="rect">
+            <a:avLst/>
+          </a:prstGeom>
+        </p:spPr>
+      </p:pic>
+      <p:pic>
+        <p:nvPicPr>
+          <p:cNvPr id="332" name="Afbeelding 331"/>
           <p:cNvPicPr>
             <a:picLocks noChangeAspect="1"/>
           </p:cNvPicPr>
@@ -5914,17 +5794,17 @@
         </p:blipFill>
         <p:spPr>
           <a:xfrm>
-            <a:off x="2366087" y="1773835"/>
-            <a:ext cx="190800" cy="190800"/>
-          </a:xfrm>
-          <a:prstGeom prst="rect">
-            <a:avLst/>
-          </a:prstGeom>
-        </p:spPr>
-      </p:pic>
-      <p:pic>
-        <p:nvPicPr>
-          <p:cNvPr id="176" name="Afbeelding 175"/>
+            <a:off x="2218208" y="4292448"/>
+            <a:ext cx="360000" cy="360000"/>
+          </a:xfrm>
+          <a:prstGeom prst="rect">
+            <a:avLst/>
+          </a:prstGeom>
+        </p:spPr>
+      </p:pic>
+      <p:pic>
+        <p:nvPicPr>
+          <p:cNvPr id="333" name="Afbeelding 332"/>
           <p:cNvPicPr>
             <a:picLocks noChangeAspect="1"/>
           </p:cNvPicPr>
@@ -5944,17 +5824,17 @@
         </p:blipFill>
         <p:spPr>
           <a:xfrm>
-            <a:off x="2580603" y="1773835"/>
-            <a:ext cx="190800" cy="190800"/>
-          </a:xfrm>
-          <a:prstGeom prst="rect">
-            <a:avLst/>
-          </a:prstGeom>
-        </p:spPr>
-      </p:pic>
-      <p:pic>
-        <p:nvPicPr>
-          <p:cNvPr id="177" name="Afbeelding 176"/>
+            <a:off x="2596747" y="4292448"/>
+            <a:ext cx="360000" cy="360000"/>
+          </a:xfrm>
+          <a:prstGeom prst="rect">
+            <a:avLst/>
+          </a:prstGeom>
+        </p:spPr>
+      </p:pic>
+      <p:pic>
+        <p:nvPicPr>
+          <p:cNvPr id="334" name="Afbeelding 333"/>
           <p:cNvPicPr>
             <a:picLocks noChangeAspect="1"/>
           </p:cNvPicPr>
@@ -5974,17 +5854,17 @@
         </p:blipFill>
         <p:spPr>
           <a:xfrm>
-            <a:off x="2795116" y="1773835"/>
-            <a:ext cx="190800" cy="190800"/>
-          </a:xfrm>
-          <a:prstGeom prst="rect">
-            <a:avLst/>
-          </a:prstGeom>
-        </p:spPr>
-      </p:pic>
-      <p:pic>
-        <p:nvPicPr>
-          <p:cNvPr id="178" name="Afbeelding 177"/>
+            <a:off x="2975289" y="4292448"/>
+            <a:ext cx="360000" cy="360000"/>
+          </a:xfrm>
+          <a:prstGeom prst="rect">
+            <a:avLst/>
+          </a:prstGeom>
+        </p:spPr>
+      </p:pic>
+      <p:pic>
+        <p:nvPicPr>
+          <p:cNvPr id="335" name="Afbeelding 334"/>
           <p:cNvPicPr>
             <a:picLocks noChangeAspect="1"/>
           </p:cNvPicPr>
@@ -6004,17 +5884,17 @@
         </p:blipFill>
         <p:spPr>
           <a:xfrm>
-            <a:off x="436521" y="2029331"/>
-            <a:ext cx="190800" cy="190800"/>
-          </a:xfrm>
-          <a:prstGeom prst="rect">
-            <a:avLst/>
-          </a:prstGeom>
-        </p:spPr>
-      </p:pic>
-      <p:pic>
-        <p:nvPicPr>
-          <p:cNvPr id="179" name="Afbeelding 178"/>
+            <a:off x="3510673" y="3914401"/>
+            <a:ext cx="360000" cy="360000"/>
+          </a:xfrm>
+          <a:prstGeom prst="rect">
+            <a:avLst/>
+          </a:prstGeom>
+        </p:spPr>
+      </p:pic>
+      <p:pic>
+        <p:nvPicPr>
+          <p:cNvPr id="336" name="Afbeelding 335"/>
           <p:cNvPicPr>
             <a:picLocks noChangeAspect="1"/>
           </p:cNvPicPr>
@@ -6034,17 +5914,17 @@
         </p:blipFill>
         <p:spPr>
           <a:xfrm>
-            <a:off x="650915" y="2029331"/>
-            <a:ext cx="190800" cy="190800"/>
-          </a:xfrm>
-          <a:prstGeom prst="rect">
-            <a:avLst/>
-          </a:prstGeom>
-        </p:spPr>
-      </p:pic>
-      <p:pic>
-        <p:nvPicPr>
-          <p:cNvPr id="180" name="Afbeelding 179"/>
+            <a:off x="3889029" y="3914401"/>
+            <a:ext cx="360000" cy="360000"/>
+          </a:xfrm>
+          <a:prstGeom prst="rect">
+            <a:avLst/>
+          </a:prstGeom>
+        </p:spPr>
+      </p:pic>
+      <p:pic>
+        <p:nvPicPr>
+          <p:cNvPr id="337" name="Afbeelding 336"/>
           <p:cNvPicPr>
             <a:picLocks noChangeAspect="1"/>
           </p:cNvPicPr>
@@ -6064,17 +5944,17 @@
         </p:blipFill>
         <p:spPr>
           <a:xfrm>
-            <a:off x="865309" y="2029331"/>
-            <a:ext cx="190800" cy="190800"/>
-          </a:xfrm>
-          <a:prstGeom prst="rect">
-            <a:avLst/>
-          </a:prstGeom>
-        </p:spPr>
-      </p:pic>
-      <p:pic>
-        <p:nvPicPr>
-          <p:cNvPr id="181" name="Afbeelding 180"/>
+            <a:off x="4267385" y="3914401"/>
+            <a:ext cx="360000" cy="360000"/>
+          </a:xfrm>
+          <a:prstGeom prst="rect">
+            <a:avLst/>
+          </a:prstGeom>
+        </p:spPr>
+      </p:pic>
+      <p:pic>
+        <p:nvPicPr>
+          <p:cNvPr id="338" name="Afbeelding 337"/>
           <p:cNvPicPr>
             <a:picLocks noChangeAspect="1"/>
           </p:cNvPicPr>
@@ -6094,17 +5974,17 @@
         </p:blipFill>
         <p:spPr>
           <a:xfrm>
-            <a:off x="1079703" y="2029331"/>
-            <a:ext cx="190800" cy="190800"/>
-          </a:xfrm>
-          <a:prstGeom prst="rect">
-            <a:avLst/>
-          </a:prstGeom>
-        </p:spPr>
-      </p:pic>
-      <p:pic>
-        <p:nvPicPr>
-          <p:cNvPr id="182" name="Afbeelding 181"/>
+            <a:off x="4645741" y="3914401"/>
+            <a:ext cx="360000" cy="360000"/>
+          </a:xfrm>
+          <a:prstGeom prst="rect">
+            <a:avLst/>
+          </a:prstGeom>
+        </p:spPr>
+      </p:pic>
+      <p:pic>
+        <p:nvPicPr>
+          <p:cNvPr id="339" name="Afbeelding 338"/>
           <p:cNvPicPr>
             <a:picLocks noChangeAspect="1"/>
           </p:cNvPicPr>
@@ -6124,17 +6004,17 @@
         </p:blipFill>
         <p:spPr>
           <a:xfrm>
-            <a:off x="1294097" y="2029331"/>
-            <a:ext cx="190800" cy="190800"/>
-          </a:xfrm>
-          <a:prstGeom prst="rect">
-            <a:avLst/>
-          </a:prstGeom>
-        </p:spPr>
-      </p:pic>
-      <p:pic>
-        <p:nvPicPr>
-          <p:cNvPr id="183" name="Afbeelding 182"/>
+            <a:off x="3510673" y="4293764"/>
+            <a:ext cx="360000" cy="360000"/>
+          </a:xfrm>
+          <a:prstGeom prst="rect">
+            <a:avLst/>
+          </a:prstGeom>
+        </p:spPr>
+      </p:pic>
+      <p:pic>
+        <p:nvPicPr>
+          <p:cNvPr id="340" name="Afbeelding 339"/>
           <p:cNvPicPr>
             <a:picLocks noChangeAspect="1"/>
           </p:cNvPicPr>
@@ -6154,17 +6034,17 @@
         </p:blipFill>
         <p:spPr>
           <a:xfrm>
-            <a:off x="1508491" y="2029331"/>
-            <a:ext cx="190800" cy="190800"/>
-          </a:xfrm>
-          <a:prstGeom prst="rect">
-            <a:avLst/>
-          </a:prstGeom>
-        </p:spPr>
-      </p:pic>
-      <p:pic>
-        <p:nvPicPr>
-          <p:cNvPr id="184" name="Afbeelding 183"/>
+            <a:off x="3889029" y="4293764"/>
+            <a:ext cx="360000" cy="360000"/>
+          </a:xfrm>
+          <a:prstGeom prst="rect">
+            <a:avLst/>
+          </a:prstGeom>
+        </p:spPr>
+      </p:pic>
+      <p:pic>
+        <p:nvPicPr>
+          <p:cNvPr id="341" name="Afbeelding 340"/>
           <p:cNvPicPr>
             <a:picLocks noChangeAspect="1"/>
           </p:cNvPicPr>
@@ -6184,17 +6064,17 @@
         </p:blipFill>
         <p:spPr>
           <a:xfrm>
-            <a:off x="1722885" y="2029331"/>
-            <a:ext cx="190800" cy="190800"/>
-          </a:xfrm>
-          <a:prstGeom prst="rect">
-            <a:avLst/>
-          </a:prstGeom>
-        </p:spPr>
-      </p:pic>
-      <p:pic>
-        <p:nvPicPr>
-          <p:cNvPr id="185" name="Afbeelding 184"/>
+            <a:off x="4267385" y="4293764"/>
+            <a:ext cx="360000" cy="360000"/>
+          </a:xfrm>
+          <a:prstGeom prst="rect">
+            <a:avLst/>
+          </a:prstGeom>
+        </p:spPr>
+      </p:pic>
+      <p:pic>
+        <p:nvPicPr>
+          <p:cNvPr id="342" name="Afbeelding 341"/>
           <p:cNvPicPr>
             <a:picLocks noChangeAspect="1"/>
           </p:cNvPicPr>
@@ -6214,17 +6094,17 @@
         </p:blipFill>
         <p:spPr>
           <a:xfrm>
-            <a:off x="1937279" y="2029331"/>
-            <a:ext cx="190800" cy="190800"/>
-          </a:xfrm>
-          <a:prstGeom prst="rect">
-            <a:avLst/>
-          </a:prstGeom>
-        </p:spPr>
-      </p:pic>
-      <p:pic>
-        <p:nvPicPr>
-          <p:cNvPr id="186" name="Afbeelding 185"/>
+            <a:off x="4645741" y="4293764"/>
+            <a:ext cx="360000" cy="360000"/>
+          </a:xfrm>
+          <a:prstGeom prst="rect">
+            <a:avLst/>
+          </a:prstGeom>
+        </p:spPr>
+      </p:pic>
+      <p:pic>
+        <p:nvPicPr>
+          <p:cNvPr id="343" name="Afbeelding 342"/>
           <p:cNvPicPr>
             <a:picLocks noChangeAspect="1"/>
           </p:cNvPicPr>
@@ -6244,17 +6124,17 @@
         </p:blipFill>
         <p:spPr>
           <a:xfrm>
-            <a:off x="2151673" y="2029331"/>
-            <a:ext cx="190800" cy="190800"/>
-          </a:xfrm>
-          <a:prstGeom prst="rect">
-            <a:avLst/>
-          </a:prstGeom>
-        </p:spPr>
-      </p:pic>
-      <p:pic>
-        <p:nvPicPr>
-          <p:cNvPr id="187" name="Afbeelding 186"/>
+            <a:off x="5024097" y="3914401"/>
+            <a:ext cx="360000" cy="360000"/>
+          </a:xfrm>
+          <a:prstGeom prst="rect">
+            <a:avLst/>
+          </a:prstGeom>
+        </p:spPr>
+      </p:pic>
+      <p:pic>
+        <p:nvPicPr>
+          <p:cNvPr id="344" name="Afbeelding 343"/>
           <p:cNvPicPr>
             <a:picLocks noChangeAspect="1"/>
           </p:cNvPicPr>
@@ -6274,17 +6154,17 @@
         </p:blipFill>
         <p:spPr>
           <a:xfrm>
-            <a:off x="2366067" y="2029331"/>
-            <a:ext cx="190800" cy="190800"/>
-          </a:xfrm>
-          <a:prstGeom prst="rect">
-            <a:avLst/>
-          </a:prstGeom>
-        </p:spPr>
-      </p:pic>
-      <p:pic>
-        <p:nvPicPr>
-          <p:cNvPr id="188" name="Afbeelding 187"/>
+            <a:off x="5402453" y="3914401"/>
+            <a:ext cx="360000" cy="360000"/>
+          </a:xfrm>
+          <a:prstGeom prst="rect">
+            <a:avLst/>
+          </a:prstGeom>
+        </p:spPr>
+      </p:pic>
+      <p:pic>
+        <p:nvPicPr>
+          <p:cNvPr id="345" name="Afbeelding 344"/>
           <p:cNvPicPr>
             <a:picLocks noChangeAspect="1"/>
           </p:cNvPicPr>
@@ -6304,17 +6184,17 @@
         </p:blipFill>
         <p:spPr>
           <a:xfrm>
-            <a:off x="2580461" y="2029331"/>
-            <a:ext cx="190800" cy="190800"/>
-          </a:xfrm>
-          <a:prstGeom prst="rect">
-            <a:avLst/>
-          </a:prstGeom>
-        </p:spPr>
-      </p:pic>
-      <p:pic>
-        <p:nvPicPr>
-          <p:cNvPr id="189" name="Afbeelding 188"/>
+            <a:off x="5780809" y="3914401"/>
+            <a:ext cx="360000" cy="360000"/>
+          </a:xfrm>
+          <a:prstGeom prst="rect">
+            <a:avLst/>
+          </a:prstGeom>
+        </p:spPr>
+      </p:pic>
+      <p:pic>
+        <p:nvPicPr>
+          <p:cNvPr id="346" name="Afbeelding 345"/>
           <p:cNvPicPr>
             <a:picLocks noChangeAspect="1"/>
           </p:cNvPicPr>
@@ -6334,17 +6214,17 @@
         </p:blipFill>
         <p:spPr>
           <a:xfrm>
-            <a:off x="2794858" y="2029331"/>
-            <a:ext cx="190800" cy="190800"/>
-          </a:xfrm>
-          <a:prstGeom prst="rect">
-            <a:avLst/>
-          </a:prstGeom>
-        </p:spPr>
-      </p:pic>
-      <p:pic>
-        <p:nvPicPr>
-          <p:cNvPr id="190" name="Afbeelding 189"/>
+            <a:off x="6159168" y="3914401"/>
+            <a:ext cx="360000" cy="360000"/>
+          </a:xfrm>
+          <a:prstGeom prst="rect">
+            <a:avLst/>
+          </a:prstGeom>
+        </p:spPr>
+      </p:pic>
+      <p:pic>
+        <p:nvPicPr>
+          <p:cNvPr id="347" name="Afbeelding 346"/>
           <p:cNvPicPr>
             <a:picLocks noChangeAspect="1"/>
           </p:cNvPicPr>
@@ -6364,17 +6244,17 @@
         </p:blipFill>
         <p:spPr>
           <a:xfrm>
-            <a:off x="3866655" y="1494309"/>
-            <a:ext cx="190800" cy="190800"/>
-          </a:xfrm>
-          <a:prstGeom prst="rect">
-            <a:avLst/>
-          </a:prstGeom>
-        </p:spPr>
-      </p:pic>
-      <p:pic>
-        <p:nvPicPr>
-          <p:cNvPr id="191" name="Afbeelding 190"/>
+            <a:off x="5024097" y="4293764"/>
+            <a:ext cx="360000" cy="360000"/>
+          </a:xfrm>
+          <a:prstGeom prst="rect">
+            <a:avLst/>
+          </a:prstGeom>
+        </p:spPr>
+      </p:pic>
+      <p:pic>
+        <p:nvPicPr>
+          <p:cNvPr id="348" name="Afbeelding 347"/>
           <p:cNvPicPr>
             <a:picLocks noChangeAspect="1"/>
           </p:cNvPicPr>
@@ -6394,17 +6274,17 @@
         </p:blipFill>
         <p:spPr>
           <a:xfrm>
-            <a:off x="4080964" y="1494309"/>
-            <a:ext cx="190800" cy="190800"/>
-          </a:xfrm>
-          <a:prstGeom prst="rect">
-            <a:avLst/>
-          </a:prstGeom>
-        </p:spPr>
-      </p:pic>
-      <p:pic>
-        <p:nvPicPr>
-          <p:cNvPr id="192" name="Afbeelding 191"/>
+            <a:off x="5402453" y="4293764"/>
+            <a:ext cx="360000" cy="360000"/>
+          </a:xfrm>
+          <a:prstGeom prst="rect">
+            <a:avLst/>
+          </a:prstGeom>
+        </p:spPr>
+      </p:pic>
+      <p:pic>
+        <p:nvPicPr>
+          <p:cNvPr id="349" name="Afbeelding 348"/>
           <p:cNvPicPr>
             <a:picLocks noChangeAspect="1"/>
           </p:cNvPicPr>
@@ -6424,17 +6304,17 @@
         </p:blipFill>
         <p:spPr>
           <a:xfrm>
-            <a:off x="4295273" y="1494309"/>
-            <a:ext cx="190800" cy="190800"/>
-          </a:xfrm>
-          <a:prstGeom prst="rect">
-            <a:avLst/>
-          </a:prstGeom>
-        </p:spPr>
-      </p:pic>
-      <p:pic>
-        <p:nvPicPr>
-          <p:cNvPr id="193" name="Afbeelding 192"/>
+            <a:off x="5780809" y="4293764"/>
+            <a:ext cx="360000" cy="360000"/>
+          </a:xfrm>
+          <a:prstGeom prst="rect">
+            <a:avLst/>
+          </a:prstGeom>
+        </p:spPr>
+      </p:pic>
+      <p:pic>
+        <p:nvPicPr>
+          <p:cNvPr id="350" name="Afbeelding 349"/>
           <p:cNvPicPr>
             <a:picLocks noChangeAspect="1"/>
           </p:cNvPicPr>
@@ -6454,17 +6334,17 @@
         </p:blipFill>
         <p:spPr>
           <a:xfrm>
-            <a:off x="4509582" y="1494309"/>
-            <a:ext cx="190800" cy="190800"/>
-          </a:xfrm>
-          <a:prstGeom prst="rect">
-            <a:avLst/>
-          </a:prstGeom>
-        </p:spPr>
-      </p:pic>
-      <p:pic>
-        <p:nvPicPr>
-          <p:cNvPr id="194" name="Afbeelding 193"/>
+            <a:off x="6159168" y="4293764"/>
+            <a:ext cx="360000" cy="360000"/>
+          </a:xfrm>
+          <a:prstGeom prst="rect">
+            <a:avLst/>
+          </a:prstGeom>
+        </p:spPr>
+      </p:pic>
+      <p:pic>
+        <p:nvPicPr>
+          <p:cNvPr id="351" name="Afbeelding 350"/>
           <p:cNvPicPr>
             <a:picLocks noChangeAspect="1"/>
           </p:cNvPicPr>
@@ -6484,17 +6364,17 @@
         </p:blipFill>
         <p:spPr>
           <a:xfrm>
-            <a:off x="4723891" y="1494309"/>
-            <a:ext cx="190800" cy="190800"/>
-          </a:xfrm>
-          <a:prstGeom prst="rect">
-            <a:avLst/>
-          </a:prstGeom>
-        </p:spPr>
-      </p:pic>
-      <p:pic>
-        <p:nvPicPr>
-          <p:cNvPr id="195" name="Afbeelding 194"/>
+            <a:off x="3529029" y="1972430"/>
+            <a:ext cx="360000" cy="360000"/>
+          </a:xfrm>
+          <a:prstGeom prst="rect">
+            <a:avLst/>
+          </a:prstGeom>
+        </p:spPr>
+      </p:pic>
+      <p:pic>
+        <p:nvPicPr>
+          <p:cNvPr id="352" name="Afbeelding 351"/>
           <p:cNvPicPr>
             <a:picLocks noChangeAspect="1"/>
           </p:cNvPicPr>
@@ -6514,17 +6394,17 @@
         </p:blipFill>
         <p:spPr>
           <a:xfrm>
-            <a:off x="4938200" y="1494309"/>
-            <a:ext cx="190800" cy="190800"/>
-          </a:xfrm>
-          <a:prstGeom prst="rect">
-            <a:avLst/>
-          </a:prstGeom>
-        </p:spPr>
-      </p:pic>
-      <p:pic>
-        <p:nvPicPr>
-          <p:cNvPr id="196" name="Afbeelding 195"/>
+            <a:off x="3907385" y="1972430"/>
+            <a:ext cx="360000" cy="360000"/>
+          </a:xfrm>
+          <a:prstGeom prst="rect">
+            <a:avLst/>
+          </a:prstGeom>
+        </p:spPr>
+      </p:pic>
+      <p:pic>
+        <p:nvPicPr>
+          <p:cNvPr id="353" name="Afbeelding 352"/>
           <p:cNvPicPr>
             <a:picLocks noChangeAspect="1"/>
           </p:cNvPicPr>
@@ -6544,17 +6424,17 @@
         </p:blipFill>
         <p:spPr>
           <a:xfrm>
-            <a:off x="5152509" y="1494309"/>
-            <a:ext cx="190800" cy="190800"/>
-          </a:xfrm>
-          <a:prstGeom prst="rect">
-            <a:avLst/>
-          </a:prstGeom>
-        </p:spPr>
-      </p:pic>
-      <p:pic>
-        <p:nvPicPr>
-          <p:cNvPr id="197" name="Afbeelding 196"/>
+            <a:off x="4285741" y="1972430"/>
+            <a:ext cx="360000" cy="360000"/>
+          </a:xfrm>
+          <a:prstGeom prst="rect">
+            <a:avLst/>
+          </a:prstGeom>
+        </p:spPr>
+      </p:pic>
+      <p:pic>
+        <p:nvPicPr>
+          <p:cNvPr id="354" name="Afbeelding 353"/>
           <p:cNvPicPr>
             <a:picLocks noChangeAspect="1"/>
           </p:cNvPicPr>
@@ -6574,17 +6454,17 @@
         </p:blipFill>
         <p:spPr>
           <a:xfrm>
-            <a:off x="5366818" y="1494309"/>
-            <a:ext cx="190800" cy="190800"/>
-          </a:xfrm>
-          <a:prstGeom prst="rect">
-            <a:avLst/>
-          </a:prstGeom>
-        </p:spPr>
-      </p:pic>
-      <p:pic>
-        <p:nvPicPr>
-          <p:cNvPr id="198" name="Afbeelding 197"/>
+            <a:off x="4664097" y="1972430"/>
+            <a:ext cx="360000" cy="360000"/>
+          </a:xfrm>
+          <a:prstGeom prst="rect">
+            <a:avLst/>
+          </a:prstGeom>
+        </p:spPr>
+      </p:pic>
+      <p:pic>
+        <p:nvPicPr>
+          <p:cNvPr id="355" name="Afbeelding 354"/>
           <p:cNvPicPr>
             <a:picLocks noChangeAspect="1"/>
           </p:cNvPicPr>
@@ -6604,17 +6484,17 @@
         </p:blipFill>
         <p:spPr>
           <a:xfrm>
-            <a:off x="5581127" y="1494309"/>
-            <a:ext cx="190800" cy="190800"/>
-          </a:xfrm>
-          <a:prstGeom prst="rect">
-            <a:avLst/>
-          </a:prstGeom>
-        </p:spPr>
-      </p:pic>
-      <p:pic>
-        <p:nvPicPr>
-          <p:cNvPr id="199" name="Afbeelding 198"/>
+            <a:off x="5042453" y="1972430"/>
+            <a:ext cx="360000" cy="360000"/>
+          </a:xfrm>
+          <a:prstGeom prst="rect">
+            <a:avLst/>
+          </a:prstGeom>
+        </p:spPr>
+      </p:pic>
+      <p:pic>
+        <p:nvPicPr>
+          <p:cNvPr id="356" name="Afbeelding 355"/>
           <p:cNvPicPr>
             <a:picLocks noChangeAspect="1"/>
           </p:cNvPicPr>
@@ -6634,17 +6514,17 @@
         </p:blipFill>
         <p:spPr>
           <a:xfrm>
-            <a:off x="5795436" y="1494309"/>
-            <a:ext cx="190800" cy="190800"/>
-          </a:xfrm>
-          <a:prstGeom prst="rect">
-            <a:avLst/>
-          </a:prstGeom>
-        </p:spPr>
-      </p:pic>
-      <p:pic>
-        <p:nvPicPr>
-          <p:cNvPr id="200" name="Afbeelding 199"/>
+            <a:off x="5420809" y="1972430"/>
+            <a:ext cx="360000" cy="360000"/>
+          </a:xfrm>
+          <a:prstGeom prst="rect">
+            <a:avLst/>
+          </a:prstGeom>
+        </p:spPr>
+      </p:pic>
+      <p:pic>
+        <p:nvPicPr>
+          <p:cNvPr id="357" name="Afbeelding 356"/>
           <p:cNvPicPr>
             <a:picLocks noChangeAspect="1"/>
           </p:cNvPicPr>
@@ -6664,17 +6544,17 @@
         </p:blipFill>
         <p:spPr>
           <a:xfrm>
-            <a:off x="6009745" y="1494309"/>
-            <a:ext cx="190800" cy="190800"/>
-          </a:xfrm>
-          <a:prstGeom prst="rect">
-            <a:avLst/>
-          </a:prstGeom>
-        </p:spPr>
-      </p:pic>
-      <p:pic>
-        <p:nvPicPr>
-          <p:cNvPr id="201" name="Afbeelding 200"/>
+            <a:off x="5799165" y="1972430"/>
+            <a:ext cx="360000" cy="360000"/>
+          </a:xfrm>
+          <a:prstGeom prst="rect">
+            <a:avLst/>
+          </a:prstGeom>
+        </p:spPr>
+      </p:pic>
+      <p:pic>
+        <p:nvPicPr>
+          <p:cNvPr id="358" name="Afbeelding 357"/>
           <p:cNvPicPr>
             <a:picLocks noChangeAspect="1"/>
           </p:cNvPicPr>
@@ -6694,17 +6574,17 @@
         </p:blipFill>
         <p:spPr>
           <a:xfrm>
-            <a:off x="6224058" y="1494309"/>
-            <a:ext cx="190800" cy="190800"/>
-          </a:xfrm>
-          <a:prstGeom prst="rect">
-            <a:avLst/>
-          </a:prstGeom>
-        </p:spPr>
-      </p:pic>
-      <p:pic>
-        <p:nvPicPr>
-          <p:cNvPr id="202" name="Afbeelding 201"/>
+            <a:off x="6177524" y="1972430"/>
+            <a:ext cx="360000" cy="360000"/>
+          </a:xfrm>
+          <a:prstGeom prst="rect">
+            <a:avLst/>
+          </a:prstGeom>
+        </p:spPr>
+      </p:pic>
+      <p:pic>
+        <p:nvPicPr>
+          <p:cNvPr id="359" name="Afbeelding 358"/>
           <p:cNvPicPr>
             <a:picLocks noChangeAspect="1"/>
           </p:cNvPicPr>
@@ -6724,17 +6604,17 @@
         </p:blipFill>
         <p:spPr>
           <a:xfrm>
-            <a:off x="3863669" y="1761661"/>
-            <a:ext cx="190800" cy="190800"/>
-          </a:xfrm>
-          <a:prstGeom prst="rect">
-            <a:avLst/>
-          </a:prstGeom>
-        </p:spPr>
-      </p:pic>
-      <p:pic>
-        <p:nvPicPr>
-          <p:cNvPr id="203" name="Afbeelding 202"/>
+            <a:off x="3510673" y="3525523"/>
+            <a:ext cx="360000" cy="360000"/>
+          </a:xfrm>
+          <a:prstGeom prst="rect">
+            <a:avLst/>
+          </a:prstGeom>
+        </p:spPr>
+      </p:pic>
+      <p:pic>
+        <p:nvPicPr>
+          <p:cNvPr id="360" name="Afbeelding 359"/>
           <p:cNvPicPr>
             <a:picLocks noChangeAspect="1"/>
           </p:cNvPicPr>
@@ -6754,17 +6634,17 @@
         </p:blipFill>
         <p:spPr>
           <a:xfrm>
-            <a:off x="4077978" y="1761661"/>
-            <a:ext cx="190800" cy="190800"/>
-          </a:xfrm>
-          <a:prstGeom prst="rect">
-            <a:avLst/>
-          </a:prstGeom>
-        </p:spPr>
-      </p:pic>
-      <p:pic>
-        <p:nvPicPr>
-          <p:cNvPr id="204" name="Afbeelding 203"/>
+            <a:off x="3889029" y="3525523"/>
+            <a:ext cx="360000" cy="360000"/>
+          </a:xfrm>
+          <a:prstGeom prst="rect">
+            <a:avLst/>
+          </a:prstGeom>
+        </p:spPr>
+      </p:pic>
+      <p:pic>
+        <p:nvPicPr>
+          <p:cNvPr id="361" name="Afbeelding 360"/>
           <p:cNvPicPr>
             <a:picLocks noChangeAspect="1"/>
           </p:cNvPicPr>
@@ -6784,17 +6664,17 @@
         </p:blipFill>
         <p:spPr>
           <a:xfrm>
-            <a:off x="4292287" y="1761661"/>
-            <a:ext cx="190800" cy="190800"/>
-          </a:xfrm>
-          <a:prstGeom prst="rect">
-            <a:avLst/>
-          </a:prstGeom>
-        </p:spPr>
-      </p:pic>
-      <p:pic>
-        <p:nvPicPr>
-          <p:cNvPr id="205" name="Afbeelding 204"/>
+            <a:off x="4267385" y="3525523"/>
+            <a:ext cx="360000" cy="360000"/>
+          </a:xfrm>
+          <a:prstGeom prst="rect">
+            <a:avLst/>
+          </a:prstGeom>
+        </p:spPr>
+      </p:pic>
+      <p:pic>
+        <p:nvPicPr>
+          <p:cNvPr id="362" name="Afbeelding 361"/>
           <p:cNvPicPr>
             <a:picLocks noChangeAspect="1"/>
           </p:cNvPicPr>
@@ -6814,17 +6694,17 @@
         </p:blipFill>
         <p:spPr>
           <a:xfrm>
-            <a:off x="4506596" y="1761661"/>
-            <a:ext cx="190800" cy="190800"/>
-          </a:xfrm>
-          <a:prstGeom prst="rect">
-            <a:avLst/>
-          </a:prstGeom>
-        </p:spPr>
-      </p:pic>
-      <p:pic>
-        <p:nvPicPr>
-          <p:cNvPr id="206" name="Afbeelding 205"/>
+            <a:off x="4645741" y="3525523"/>
+            <a:ext cx="360000" cy="360000"/>
+          </a:xfrm>
+          <a:prstGeom prst="rect">
+            <a:avLst/>
+          </a:prstGeom>
+        </p:spPr>
+      </p:pic>
+      <p:pic>
+        <p:nvPicPr>
+          <p:cNvPr id="363" name="Afbeelding 362"/>
           <p:cNvPicPr>
             <a:picLocks noChangeAspect="1"/>
           </p:cNvPicPr>
@@ -6844,17 +6724,17 @@
         </p:blipFill>
         <p:spPr>
           <a:xfrm>
-            <a:off x="4720905" y="1761661"/>
-            <a:ext cx="190800" cy="190800"/>
-          </a:xfrm>
-          <a:prstGeom prst="rect">
-            <a:avLst/>
-          </a:prstGeom>
-        </p:spPr>
-      </p:pic>
-      <p:pic>
-        <p:nvPicPr>
-          <p:cNvPr id="207" name="Afbeelding 206"/>
+            <a:off x="5024097" y="3525523"/>
+            <a:ext cx="360000" cy="360000"/>
+          </a:xfrm>
+          <a:prstGeom prst="rect">
+            <a:avLst/>
+          </a:prstGeom>
+        </p:spPr>
+      </p:pic>
+      <p:pic>
+        <p:nvPicPr>
+          <p:cNvPr id="364" name="Afbeelding 363"/>
           <p:cNvPicPr>
             <a:picLocks noChangeAspect="1"/>
           </p:cNvPicPr>
@@ -6874,17 +6754,17 @@
         </p:blipFill>
         <p:spPr>
           <a:xfrm>
-            <a:off x="4935214" y="1761661"/>
-            <a:ext cx="190800" cy="190800"/>
-          </a:xfrm>
-          <a:prstGeom prst="rect">
-            <a:avLst/>
-          </a:prstGeom>
-        </p:spPr>
-      </p:pic>
-      <p:pic>
-        <p:nvPicPr>
-          <p:cNvPr id="208" name="Afbeelding 207"/>
+            <a:off x="5402453" y="3525523"/>
+            <a:ext cx="360000" cy="360000"/>
+          </a:xfrm>
+          <a:prstGeom prst="rect">
+            <a:avLst/>
+          </a:prstGeom>
+        </p:spPr>
+      </p:pic>
+      <p:pic>
+        <p:nvPicPr>
+          <p:cNvPr id="365" name="Afbeelding 364"/>
           <p:cNvPicPr>
             <a:picLocks noChangeAspect="1"/>
           </p:cNvPicPr>
@@ -6904,17 +6784,17 @@
         </p:blipFill>
         <p:spPr>
           <a:xfrm>
-            <a:off x="5149523" y="1761661"/>
-            <a:ext cx="190800" cy="190800"/>
-          </a:xfrm>
-          <a:prstGeom prst="rect">
-            <a:avLst/>
-          </a:prstGeom>
-        </p:spPr>
-      </p:pic>
-      <p:pic>
-        <p:nvPicPr>
-          <p:cNvPr id="209" name="Afbeelding 208"/>
+            <a:off x="5780809" y="3525523"/>
+            <a:ext cx="360000" cy="360000"/>
+          </a:xfrm>
+          <a:prstGeom prst="rect">
+            <a:avLst/>
+          </a:prstGeom>
+        </p:spPr>
+      </p:pic>
+      <p:pic>
+        <p:nvPicPr>
+          <p:cNvPr id="366" name="Afbeelding 365"/>
           <p:cNvPicPr>
             <a:picLocks noChangeAspect="1"/>
           </p:cNvPicPr>
@@ -6934,17 +6814,17 @@
         </p:blipFill>
         <p:spPr>
           <a:xfrm>
-            <a:off x="5363832" y="1761661"/>
-            <a:ext cx="190800" cy="190800"/>
-          </a:xfrm>
-          <a:prstGeom prst="rect">
-            <a:avLst/>
-          </a:prstGeom>
-        </p:spPr>
-      </p:pic>
-      <p:pic>
-        <p:nvPicPr>
-          <p:cNvPr id="210" name="Afbeelding 209"/>
+            <a:off x="6159168" y="3525523"/>
+            <a:ext cx="360000" cy="360000"/>
+          </a:xfrm>
+          <a:prstGeom prst="rect">
+            <a:avLst/>
+          </a:prstGeom>
+        </p:spPr>
+      </p:pic>
+      <p:pic>
+        <p:nvPicPr>
+          <p:cNvPr id="367" name="Afbeelding 366"/>
           <p:cNvPicPr>
             <a:picLocks noChangeAspect="1"/>
           </p:cNvPicPr>
@@ -6964,17 +6844,17 @@
         </p:blipFill>
         <p:spPr>
           <a:xfrm>
-            <a:off x="5578141" y="1761661"/>
-            <a:ext cx="190800" cy="190800"/>
-          </a:xfrm>
-          <a:prstGeom prst="rect">
-            <a:avLst/>
-          </a:prstGeom>
-        </p:spPr>
-      </p:pic>
-      <p:pic>
-        <p:nvPicPr>
-          <p:cNvPr id="211" name="Afbeelding 210"/>
+            <a:off x="3529029" y="2366923"/>
+            <a:ext cx="360000" cy="360000"/>
+          </a:xfrm>
+          <a:prstGeom prst="rect">
+            <a:avLst/>
+          </a:prstGeom>
+        </p:spPr>
+      </p:pic>
+      <p:pic>
+        <p:nvPicPr>
+          <p:cNvPr id="368" name="Afbeelding 367"/>
           <p:cNvPicPr>
             <a:picLocks noChangeAspect="1"/>
           </p:cNvPicPr>
@@ -6994,17 +6874,17 @@
         </p:blipFill>
         <p:spPr>
           <a:xfrm>
-            <a:off x="5792450" y="1761661"/>
-            <a:ext cx="190800" cy="190800"/>
-          </a:xfrm>
-          <a:prstGeom prst="rect">
-            <a:avLst/>
-          </a:prstGeom>
-        </p:spPr>
-      </p:pic>
-      <p:pic>
-        <p:nvPicPr>
-          <p:cNvPr id="212" name="Afbeelding 211"/>
+            <a:off x="3907385" y="2366923"/>
+            <a:ext cx="360000" cy="360000"/>
+          </a:xfrm>
+          <a:prstGeom prst="rect">
+            <a:avLst/>
+          </a:prstGeom>
+        </p:spPr>
+      </p:pic>
+      <p:pic>
+        <p:nvPicPr>
+          <p:cNvPr id="369" name="Afbeelding 368"/>
           <p:cNvPicPr>
             <a:picLocks noChangeAspect="1"/>
           </p:cNvPicPr>
@@ -7024,17 +6904,17 @@
         </p:blipFill>
         <p:spPr>
           <a:xfrm>
-            <a:off x="6006759" y="1761661"/>
-            <a:ext cx="190800" cy="190800"/>
-          </a:xfrm>
-          <a:prstGeom prst="rect">
-            <a:avLst/>
-          </a:prstGeom>
-        </p:spPr>
-      </p:pic>
-      <p:pic>
-        <p:nvPicPr>
-          <p:cNvPr id="213" name="Afbeelding 212"/>
+            <a:off x="4285741" y="2366923"/>
+            <a:ext cx="360000" cy="360000"/>
+          </a:xfrm>
+          <a:prstGeom prst="rect">
+            <a:avLst/>
+          </a:prstGeom>
+        </p:spPr>
+      </p:pic>
+      <p:pic>
+        <p:nvPicPr>
+          <p:cNvPr id="370" name="Afbeelding 369"/>
           <p:cNvPicPr>
             <a:picLocks noChangeAspect="1"/>
           </p:cNvPicPr>
@@ -7054,17 +6934,17 @@
         </p:blipFill>
         <p:spPr>
           <a:xfrm>
-            <a:off x="6221072" y="1761661"/>
-            <a:ext cx="190800" cy="190800"/>
-          </a:xfrm>
-          <a:prstGeom prst="rect">
-            <a:avLst/>
-          </a:prstGeom>
-        </p:spPr>
-      </p:pic>
-      <p:pic>
-        <p:nvPicPr>
-          <p:cNvPr id="214" name="Afbeelding 213"/>
+            <a:off x="4664097" y="2366923"/>
+            <a:ext cx="360000" cy="360000"/>
+          </a:xfrm>
+          <a:prstGeom prst="rect">
+            <a:avLst/>
+          </a:prstGeom>
+        </p:spPr>
+      </p:pic>
+      <p:pic>
+        <p:nvPicPr>
+          <p:cNvPr id="371" name="Afbeelding 370"/>
           <p:cNvPicPr>
             <a:picLocks noChangeAspect="1"/>
           </p:cNvPicPr>
@@ -7084,17 +6964,17 @@
         </p:blipFill>
         <p:spPr>
           <a:xfrm>
-            <a:off x="3863669" y="2004929"/>
-            <a:ext cx="190800" cy="190800"/>
-          </a:xfrm>
-          <a:prstGeom prst="rect">
-            <a:avLst/>
-          </a:prstGeom>
-        </p:spPr>
-      </p:pic>
-      <p:pic>
-        <p:nvPicPr>
-          <p:cNvPr id="215" name="Afbeelding 214"/>
+            <a:off x="5042453" y="2366923"/>
+            <a:ext cx="360000" cy="360000"/>
+          </a:xfrm>
+          <a:prstGeom prst="rect">
+            <a:avLst/>
+          </a:prstGeom>
+        </p:spPr>
+      </p:pic>
+      <p:pic>
+        <p:nvPicPr>
+          <p:cNvPr id="372" name="Afbeelding 371"/>
           <p:cNvPicPr>
             <a:picLocks noChangeAspect="1"/>
           </p:cNvPicPr>
@@ -7114,17 +6994,17 @@
         </p:blipFill>
         <p:spPr>
           <a:xfrm>
-            <a:off x="4078250" y="2004929"/>
-            <a:ext cx="190800" cy="190800"/>
-          </a:xfrm>
-          <a:prstGeom prst="rect">
-            <a:avLst/>
-          </a:prstGeom>
-        </p:spPr>
-      </p:pic>
-      <p:pic>
-        <p:nvPicPr>
-          <p:cNvPr id="216" name="Afbeelding 215"/>
+            <a:off x="5420809" y="2366923"/>
+            <a:ext cx="360000" cy="360000"/>
+          </a:xfrm>
+          <a:prstGeom prst="rect">
+            <a:avLst/>
+          </a:prstGeom>
+        </p:spPr>
+      </p:pic>
+      <p:pic>
+        <p:nvPicPr>
+          <p:cNvPr id="373" name="Afbeelding 372"/>
           <p:cNvPicPr>
             <a:picLocks noChangeAspect="1"/>
           </p:cNvPicPr>
@@ -7144,17 +7024,17 @@
         </p:blipFill>
         <p:spPr>
           <a:xfrm>
-            <a:off x="4292831" y="2004929"/>
-            <a:ext cx="190800" cy="190800"/>
-          </a:xfrm>
-          <a:prstGeom prst="rect">
-            <a:avLst/>
-          </a:prstGeom>
-        </p:spPr>
-      </p:pic>
-      <p:pic>
-        <p:nvPicPr>
-          <p:cNvPr id="217" name="Afbeelding 216"/>
+            <a:off x="5799165" y="2366923"/>
+            <a:ext cx="360000" cy="360000"/>
+          </a:xfrm>
+          <a:prstGeom prst="rect">
+            <a:avLst/>
+          </a:prstGeom>
+        </p:spPr>
+      </p:pic>
+      <p:pic>
+        <p:nvPicPr>
+          <p:cNvPr id="374" name="Afbeelding 373"/>
           <p:cNvPicPr>
             <a:picLocks noChangeAspect="1"/>
           </p:cNvPicPr>
@@ -7174,17 +7054,17 @@
         </p:blipFill>
         <p:spPr>
           <a:xfrm>
-            <a:off x="4507412" y="2004929"/>
-            <a:ext cx="190800" cy="190800"/>
-          </a:xfrm>
-          <a:prstGeom prst="rect">
-            <a:avLst/>
-          </a:prstGeom>
-        </p:spPr>
-      </p:pic>
-      <p:pic>
-        <p:nvPicPr>
-          <p:cNvPr id="218" name="Afbeelding 217"/>
+            <a:off x="6177524" y="2366923"/>
+            <a:ext cx="360000" cy="360000"/>
+          </a:xfrm>
+          <a:prstGeom prst="rect">
+            <a:avLst/>
+          </a:prstGeom>
+        </p:spPr>
+      </p:pic>
+      <p:pic>
+        <p:nvPicPr>
+          <p:cNvPr id="375" name="Afbeelding 374"/>
           <p:cNvPicPr>
             <a:picLocks noChangeAspect="1"/>
           </p:cNvPicPr>
@@ -7204,17 +7084,17 @@
         </p:blipFill>
         <p:spPr>
           <a:xfrm>
-            <a:off x="4721993" y="2004929"/>
-            <a:ext cx="190800" cy="190800"/>
-          </a:xfrm>
-          <a:prstGeom prst="rect">
-            <a:avLst/>
-          </a:prstGeom>
-        </p:spPr>
-      </p:pic>
-      <p:pic>
-        <p:nvPicPr>
-          <p:cNvPr id="219" name="Afbeelding 218"/>
+            <a:off x="3529029" y="2756762"/>
+            <a:ext cx="360000" cy="360000"/>
+          </a:xfrm>
+          <a:prstGeom prst="rect">
+            <a:avLst/>
+          </a:prstGeom>
+        </p:spPr>
+      </p:pic>
+      <p:pic>
+        <p:nvPicPr>
+          <p:cNvPr id="376" name="Afbeelding 375"/>
           <p:cNvPicPr>
             <a:picLocks noChangeAspect="1"/>
           </p:cNvPicPr>
@@ -7234,17 +7114,17 @@
         </p:blipFill>
         <p:spPr>
           <a:xfrm>
-            <a:off x="4936574" y="2004929"/>
-            <a:ext cx="190800" cy="190800"/>
-          </a:xfrm>
-          <a:prstGeom prst="rect">
-            <a:avLst/>
-          </a:prstGeom>
-        </p:spPr>
-      </p:pic>
-      <p:pic>
-        <p:nvPicPr>
-          <p:cNvPr id="220" name="Afbeelding 219"/>
+            <a:off x="3907385" y="2756762"/>
+            <a:ext cx="360000" cy="360000"/>
+          </a:xfrm>
+          <a:prstGeom prst="rect">
+            <a:avLst/>
+          </a:prstGeom>
+        </p:spPr>
+      </p:pic>
+      <p:pic>
+        <p:nvPicPr>
+          <p:cNvPr id="377" name="Afbeelding 376"/>
           <p:cNvPicPr>
             <a:picLocks noChangeAspect="1"/>
           </p:cNvPicPr>
@@ -7264,17 +7144,17 @@
         </p:blipFill>
         <p:spPr>
           <a:xfrm>
-            <a:off x="5151155" y="2004929"/>
-            <a:ext cx="190800" cy="190800"/>
-          </a:xfrm>
-          <a:prstGeom prst="rect">
-            <a:avLst/>
-          </a:prstGeom>
-        </p:spPr>
-      </p:pic>
-      <p:pic>
-        <p:nvPicPr>
-          <p:cNvPr id="221" name="Afbeelding 220"/>
+            <a:off x="4285741" y="2756762"/>
+            <a:ext cx="360000" cy="360000"/>
+          </a:xfrm>
+          <a:prstGeom prst="rect">
+            <a:avLst/>
+          </a:prstGeom>
+        </p:spPr>
+      </p:pic>
+      <p:pic>
+        <p:nvPicPr>
+          <p:cNvPr id="378" name="Afbeelding 377"/>
           <p:cNvPicPr>
             <a:picLocks noChangeAspect="1"/>
           </p:cNvPicPr>
@@ -7294,17 +7174,17 @@
         </p:blipFill>
         <p:spPr>
           <a:xfrm>
-            <a:off x="5365736" y="2004929"/>
-            <a:ext cx="190800" cy="190800"/>
-          </a:xfrm>
-          <a:prstGeom prst="rect">
-            <a:avLst/>
-          </a:prstGeom>
-        </p:spPr>
-      </p:pic>
-      <p:pic>
-        <p:nvPicPr>
-          <p:cNvPr id="222" name="Afbeelding 221"/>
+            <a:off x="4664097" y="2756762"/>
+            <a:ext cx="360000" cy="360000"/>
+          </a:xfrm>
+          <a:prstGeom prst="rect">
+            <a:avLst/>
+          </a:prstGeom>
+        </p:spPr>
+      </p:pic>
+      <p:pic>
+        <p:nvPicPr>
+          <p:cNvPr id="379" name="Afbeelding 378"/>
           <p:cNvPicPr>
             <a:picLocks noChangeAspect="1"/>
           </p:cNvPicPr>
@@ -7324,17 +7204,17 @@
         </p:blipFill>
         <p:spPr>
           <a:xfrm>
-            <a:off x="5580317" y="2004929"/>
-            <a:ext cx="190800" cy="190800"/>
-          </a:xfrm>
-          <a:prstGeom prst="rect">
-            <a:avLst/>
-          </a:prstGeom>
-        </p:spPr>
-      </p:pic>
-      <p:pic>
-        <p:nvPicPr>
-          <p:cNvPr id="223" name="Afbeelding 222"/>
+            <a:off x="5042453" y="2756762"/>
+            <a:ext cx="360000" cy="360000"/>
+          </a:xfrm>
+          <a:prstGeom prst="rect">
+            <a:avLst/>
+          </a:prstGeom>
+        </p:spPr>
+      </p:pic>
+      <p:pic>
+        <p:nvPicPr>
+          <p:cNvPr id="380" name="Afbeelding 379"/>
           <p:cNvPicPr>
             <a:picLocks noChangeAspect="1"/>
           </p:cNvPicPr>
@@ -7354,17 +7234,17 @@
         </p:blipFill>
         <p:spPr>
           <a:xfrm>
-            <a:off x="5794898" y="2004929"/>
-            <a:ext cx="190800" cy="190800"/>
-          </a:xfrm>
-          <a:prstGeom prst="rect">
-            <a:avLst/>
-          </a:prstGeom>
-        </p:spPr>
-      </p:pic>
-      <p:pic>
-        <p:nvPicPr>
-          <p:cNvPr id="224" name="Afbeelding 223"/>
+            <a:off x="5420809" y="2756762"/>
+            <a:ext cx="360000" cy="360000"/>
+          </a:xfrm>
+          <a:prstGeom prst="rect">
+            <a:avLst/>
+          </a:prstGeom>
+        </p:spPr>
+      </p:pic>
+      <p:pic>
+        <p:nvPicPr>
+          <p:cNvPr id="381" name="Afbeelding 380"/>
           <p:cNvPicPr>
             <a:picLocks noChangeAspect="1"/>
           </p:cNvPicPr>
@@ -7384,17 +7264,17 @@
         </p:blipFill>
         <p:spPr>
           <a:xfrm>
-            <a:off x="6009479" y="2004929"/>
-            <a:ext cx="190800" cy="190800"/>
-          </a:xfrm>
-          <a:prstGeom prst="rect">
-            <a:avLst/>
-          </a:prstGeom>
-        </p:spPr>
-      </p:pic>
-      <p:pic>
-        <p:nvPicPr>
-          <p:cNvPr id="225" name="Afbeelding 224"/>
+            <a:off x="5799165" y="2756762"/>
+            <a:ext cx="360000" cy="360000"/>
+          </a:xfrm>
+          <a:prstGeom prst="rect">
+            <a:avLst/>
+          </a:prstGeom>
+        </p:spPr>
+      </p:pic>
+      <p:pic>
+        <p:nvPicPr>
+          <p:cNvPr id="382" name="Afbeelding 381"/>
           <p:cNvPicPr>
             <a:picLocks noChangeAspect="1"/>
           </p:cNvPicPr>
@@ -7414,2414 +7294,86 @@
         </p:blipFill>
         <p:spPr>
           <a:xfrm>
-            <a:off x="6224058" y="2004929"/>
-            <a:ext cx="190800" cy="190800"/>
-          </a:xfrm>
-          <a:prstGeom prst="rect">
-            <a:avLst/>
-          </a:prstGeom>
-        </p:spPr>
-      </p:pic>
-      <p:pic>
-        <p:nvPicPr>
-          <p:cNvPr id="226" name="Afbeelding 225"/>
-          <p:cNvPicPr>
-            <a:picLocks noChangeAspect="1"/>
-          </p:cNvPicPr>
-          <p:nvPr/>
-        </p:nvPicPr>
-        <p:blipFill>
-          <a:blip r:embed="rId74" cstate="print">
-            <a:extLst>
-              <a:ext uri="{28A0092B-C50C-407E-A947-70E740481C1C}">
-                <a14:useLocalDpi xmlns:a14="http://schemas.microsoft.com/office/drawing/2010/main" val="0"/>
-              </a:ext>
-            </a:extLst>
-          </a:blip>
-          <a:stretch>
-            <a:fillRect/>
-          </a:stretch>
-        </p:blipFill>
-        <p:spPr>
-          <a:xfrm>
-            <a:off x="3030574" y="1525384"/>
-            <a:ext cx="190800" cy="190800"/>
-          </a:xfrm>
-          <a:prstGeom prst="rect">
-            <a:avLst/>
-          </a:prstGeom>
-        </p:spPr>
-      </p:pic>
-      <p:pic>
-        <p:nvPicPr>
-          <p:cNvPr id="227" name="Afbeelding 226"/>
-          <p:cNvPicPr>
-            <a:picLocks noChangeAspect="1"/>
-          </p:cNvPicPr>
-          <p:nvPr/>
-        </p:nvPicPr>
-        <p:blipFill>
-          <a:blip r:embed="rId75" cstate="print">
-            <a:extLst>
-              <a:ext uri="{28A0092B-C50C-407E-A947-70E740481C1C}">
-                <a14:useLocalDpi xmlns:a14="http://schemas.microsoft.com/office/drawing/2010/main" val="0"/>
-              </a:ext>
-            </a:extLst>
-          </a:blip>
-          <a:stretch>
-            <a:fillRect/>
-          </a:stretch>
-        </p:blipFill>
-        <p:spPr>
-          <a:xfrm>
-            <a:off x="3030574" y="1773835"/>
-            <a:ext cx="190800" cy="190800"/>
-          </a:xfrm>
-          <a:prstGeom prst="rect">
-            <a:avLst/>
-          </a:prstGeom>
-        </p:spPr>
-      </p:pic>
-      <p:pic>
-        <p:nvPicPr>
-          <p:cNvPr id="228" name="Afbeelding 227"/>
-          <p:cNvPicPr>
-            <a:picLocks noChangeAspect="1"/>
-          </p:cNvPicPr>
-          <p:nvPr/>
-        </p:nvPicPr>
-        <p:blipFill>
-          <a:blip r:embed="rId76" cstate="print">
-            <a:extLst>
-              <a:ext uri="{28A0092B-C50C-407E-A947-70E740481C1C}">
-                <a14:useLocalDpi xmlns:a14="http://schemas.microsoft.com/office/drawing/2010/main" val="0"/>
-              </a:ext>
-            </a:extLst>
-          </a:blip>
-          <a:stretch>
-            <a:fillRect/>
-          </a:stretch>
-        </p:blipFill>
-        <p:spPr>
-          <a:xfrm>
-            <a:off x="3629775" y="1502406"/>
-            <a:ext cx="190800" cy="190800"/>
-          </a:xfrm>
-          <a:prstGeom prst="rect">
-            <a:avLst/>
-          </a:prstGeom>
-        </p:spPr>
-      </p:pic>
-      <p:pic>
-        <p:nvPicPr>
-          <p:cNvPr id="229" name="Afbeelding 228"/>
-          <p:cNvPicPr>
-            <a:picLocks noChangeAspect="1"/>
-          </p:cNvPicPr>
-          <p:nvPr/>
-        </p:nvPicPr>
-        <p:blipFill>
-          <a:blip r:embed="rId77" cstate="print">
-            <a:extLst>
-              <a:ext uri="{28A0092B-C50C-407E-A947-70E740481C1C}">
-                <a14:useLocalDpi xmlns:a14="http://schemas.microsoft.com/office/drawing/2010/main" val="0"/>
-              </a:ext>
-            </a:extLst>
-          </a:blip>
-          <a:stretch>
-            <a:fillRect/>
-          </a:stretch>
-        </p:blipFill>
-        <p:spPr>
-          <a:xfrm>
-            <a:off x="3629775" y="1773835"/>
-            <a:ext cx="190800" cy="190800"/>
-          </a:xfrm>
-          <a:prstGeom prst="rect">
-            <a:avLst/>
-          </a:prstGeom>
-        </p:spPr>
-      </p:pic>
-      <p:pic>
-        <p:nvPicPr>
-          <p:cNvPr id="230" name="Afbeelding 229"/>
-          <p:cNvPicPr>
-            <a:picLocks noChangeAspect="1"/>
-          </p:cNvPicPr>
-          <p:nvPr/>
-        </p:nvPicPr>
-        <p:blipFill>
-          <a:blip r:embed="rId2" cstate="print">
-            <a:extLst>
-              <a:ext uri="{28A0092B-C50C-407E-A947-70E740481C1C}">
-                <a14:useLocalDpi xmlns:a14="http://schemas.microsoft.com/office/drawing/2010/main" val="0"/>
-              </a:ext>
-            </a:extLst>
-          </a:blip>
-          <a:stretch>
-            <a:fillRect/>
-          </a:stretch>
-        </p:blipFill>
-        <p:spPr>
-          <a:xfrm>
-            <a:off x="435443" y="2771071"/>
-            <a:ext cx="190800" cy="190800"/>
-          </a:xfrm>
-          <a:prstGeom prst="rect">
-            <a:avLst/>
-          </a:prstGeom>
-        </p:spPr>
-      </p:pic>
-      <p:pic>
-        <p:nvPicPr>
-          <p:cNvPr id="231" name="Afbeelding 230"/>
-          <p:cNvPicPr>
-            <a:picLocks noChangeAspect="1"/>
-          </p:cNvPicPr>
-          <p:nvPr/>
-        </p:nvPicPr>
-        <p:blipFill>
-          <a:blip r:embed="rId3" cstate="print">
-            <a:extLst>
-              <a:ext uri="{28A0092B-C50C-407E-A947-70E740481C1C}">
-                <a14:useLocalDpi xmlns:a14="http://schemas.microsoft.com/office/drawing/2010/main" val="0"/>
-              </a:ext>
-            </a:extLst>
-          </a:blip>
-          <a:stretch>
-            <a:fillRect/>
-          </a:stretch>
-        </p:blipFill>
-        <p:spPr>
-          <a:xfrm>
-            <a:off x="650083" y="2771071"/>
-            <a:ext cx="190800" cy="190800"/>
-          </a:xfrm>
-          <a:prstGeom prst="rect">
-            <a:avLst/>
-          </a:prstGeom>
-        </p:spPr>
-      </p:pic>
-      <p:pic>
-        <p:nvPicPr>
-          <p:cNvPr id="232" name="Afbeelding 231"/>
-          <p:cNvPicPr>
-            <a:picLocks noChangeAspect="1"/>
-          </p:cNvPicPr>
-          <p:nvPr/>
-        </p:nvPicPr>
-        <p:blipFill>
-          <a:blip r:embed="rId4" cstate="print">
-            <a:extLst>
-              <a:ext uri="{28A0092B-C50C-407E-A947-70E740481C1C}">
-                <a14:useLocalDpi xmlns:a14="http://schemas.microsoft.com/office/drawing/2010/main" val="0"/>
-              </a:ext>
-            </a:extLst>
-          </a:blip>
-          <a:stretch>
-            <a:fillRect/>
-          </a:stretch>
-        </p:blipFill>
-        <p:spPr>
-          <a:xfrm>
-            <a:off x="864723" y="2771071"/>
-            <a:ext cx="190800" cy="190800"/>
-          </a:xfrm>
-          <a:prstGeom prst="rect">
-            <a:avLst/>
-          </a:prstGeom>
-        </p:spPr>
-      </p:pic>
-      <p:pic>
-        <p:nvPicPr>
-          <p:cNvPr id="233" name="Afbeelding 232"/>
-          <p:cNvPicPr>
-            <a:picLocks noChangeAspect="1"/>
-          </p:cNvPicPr>
-          <p:nvPr/>
-        </p:nvPicPr>
-        <p:blipFill>
-          <a:blip r:embed="rId5" cstate="print">
-            <a:extLst>
-              <a:ext uri="{28A0092B-C50C-407E-A947-70E740481C1C}">
-                <a14:useLocalDpi xmlns:a14="http://schemas.microsoft.com/office/drawing/2010/main" val="0"/>
-              </a:ext>
-            </a:extLst>
-          </a:blip>
-          <a:stretch>
-            <a:fillRect/>
-          </a:stretch>
-        </p:blipFill>
-        <p:spPr>
-          <a:xfrm>
-            <a:off x="1079363" y="2771071"/>
-            <a:ext cx="190800" cy="190800"/>
-          </a:xfrm>
-          <a:prstGeom prst="rect">
-            <a:avLst/>
-          </a:prstGeom>
-        </p:spPr>
-      </p:pic>
-      <p:pic>
-        <p:nvPicPr>
-          <p:cNvPr id="234" name="Afbeelding 233"/>
-          <p:cNvPicPr>
-            <a:picLocks noChangeAspect="1"/>
-          </p:cNvPicPr>
-          <p:nvPr/>
-        </p:nvPicPr>
-        <p:blipFill>
-          <a:blip r:embed="rId6" cstate="print">
-            <a:extLst>
-              <a:ext uri="{28A0092B-C50C-407E-A947-70E740481C1C}">
-                <a14:useLocalDpi xmlns:a14="http://schemas.microsoft.com/office/drawing/2010/main" val="0"/>
-              </a:ext>
-            </a:extLst>
-          </a:blip>
-          <a:stretch>
-            <a:fillRect/>
-          </a:stretch>
-        </p:blipFill>
-        <p:spPr>
-          <a:xfrm>
-            <a:off x="1294003" y="2771071"/>
-            <a:ext cx="190800" cy="190800"/>
-          </a:xfrm>
-          <a:prstGeom prst="rect">
-            <a:avLst/>
-          </a:prstGeom>
-        </p:spPr>
-      </p:pic>
-      <p:pic>
-        <p:nvPicPr>
-          <p:cNvPr id="235" name="Afbeelding 234"/>
-          <p:cNvPicPr>
-            <a:picLocks noChangeAspect="1"/>
-          </p:cNvPicPr>
-          <p:nvPr/>
-        </p:nvPicPr>
-        <p:blipFill>
-          <a:blip r:embed="rId7" cstate="print">
-            <a:extLst>
-              <a:ext uri="{28A0092B-C50C-407E-A947-70E740481C1C}">
-                <a14:useLocalDpi xmlns:a14="http://schemas.microsoft.com/office/drawing/2010/main" val="0"/>
-              </a:ext>
-            </a:extLst>
-          </a:blip>
-          <a:stretch>
-            <a:fillRect/>
-          </a:stretch>
-        </p:blipFill>
-        <p:spPr>
-          <a:xfrm>
-            <a:off x="1508643" y="2771071"/>
-            <a:ext cx="190800" cy="190800"/>
-          </a:xfrm>
-          <a:prstGeom prst="rect">
-            <a:avLst/>
-          </a:prstGeom>
-        </p:spPr>
-      </p:pic>
-      <p:pic>
-        <p:nvPicPr>
-          <p:cNvPr id="236" name="Afbeelding 235"/>
-          <p:cNvPicPr>
-            <a:picLocks noChangeAspect="1"/>
-          </p:cNvPicPr>
-          <p:nvPr/>
-        </p:nvPicPr>
-        <p:blipFill>
-          <a:blip r:embed="rId8" cstate="print">
-            <a:extLst>
-              <a:ext uri="{28A0092B-C50C-407E-A947-70E740481C1C}">
-                <a14:useLocalDpi xmlns:a14="http://schemas.microsoft.com/office/drawing/2010/main" val="0"/>
-              </a:ext>
-            </a:extLst>
-          </a:blip>
-          <a:stretch>
-            <a:fillRect/>
-          </a:stretch>
-        </p:blipFill>
-        <p:spPr>
-          <a:xfrm>
-            <a:off x="1723283" y="2771071"/>
-            <a:ext cx="190800" cy="190800"/>
-          </a:xfrm>
-          <a:prstGeom prst="rect">
-            <a:avLst/>
-          </a:prstGeom>
-        </p:spPr>
-      </p:pic>
-      <p:pic>
-        <p:nvPicPr>
-          <p:cNvPr id="237" name="Afbeelding 236"/>
-          <p:cNvPicPr>
-            <a:picLocks noChangeAspect="1"/>
-          </p:cNvPicPr>
-          <p:nvPr/>
-        </p:nvPicPr>
-        <p:blipFill>
-          <a:blip r:embed="rId9" cstate="print">
-            <a:extLst>
-              <a:ext uri="{28A0092B-C50C-407E-A947-70E740481C1C}">
-                <a14:useLocalDpi xmlns:a14="http://schemas.microsoft.com/office/drawing/2010/main" val="0"/>
-              </a:ext>
-            </a:extLst>
-          </a:blip>
-          <a:stretch>
-            <a:fillRect/>
-          </a:stretch>
-        </p:blipFill>
-        <p:spPr>
-          <a:xfrm>
-            <a:off x="1937923" y="2771071"/>
-            <a:ext cx="190800" cy="190800"/>
-          </a:xfrm>
-          <a:prstGeom prst="rect">
-            <a:avLst/>
-          </a:prstGeom>
-        </p:spPr>
-      </p:pic>
-      <p:pic>
-        <p:nvPicPr>
-          <p:cNvPr id="238" name="Afbeelding 237"/>
-          <p:cNvPicPr>
-            <a:picLocks noChangeAspect="1"/>
-          </p:cNvPicPr>
-          <p:nvPr/>
-        </p:nvPicPr>
-        <p:blipFill>
-          <a:blip r:embed="rId10" cstate="print">
-            <a:extLst>
-              <a:ext uri="{28A0092B-C50C-407E-A947-70E740481C1C}">
-                <a14:useLocalDpi xmlns:a14="http://schemas.microsoft.com/office/drawing/2010/main" val="0"/>
-              </a:ext>
-            </a:extLst>
-          </a:blip>
-          <a:stretch>
-            <a:fillRect/>
-          </a:stretch>
-        </p:blipFill>
-        <p:spPr>
-          <a:xfrm>
-            <a:off x="2152563" y="2771071"/>
-            <a:ext cx="190800" cy="190800"/>
-          </a:xfrm>
-          <a:prstGeom prst="rect">
-            <a:avLst/>
-          </a:prstGeom>
-        </p:spPr>
-      </p:pic>
-      <p:pic>
-        <p:nvPicPr>
-          <p:cNvPr id="239" name="Afbeelding 238"/>
-          <p:cNvPicPr>
-            <a:picLocks noChangeAspect="1"/>
-          </p:cNvPicPr>
-          <p:nvPr/>
-        </p:nvPicPr>
-        <p:blipFill>
-          <a:blip r:embed="rId11" cstate="print">
-            <a:extLst>
-              <a:ext uri="{28A0092B-C50C-407E-A947-70E740481C1C}">
-                <a14:useLocalDpi xmlns:a14="http://schemas.microsoft.com/office/drawing/2010/main" val="0"/>
-              </a:ext>
-            </a:extLst>
-          </a:blip>
-          <a:stretch>
-            <a:fillRect/>
-          </a:stretch>
-        </p:blipFill>
-        <p:spPr>
-          <a:xfrm>
-            <a:off x="2367203" y="2771071"/>
-            <a:ext cx="190800" cy="190800"/>
-          </a:xfrm>
-          <a:prstGeom prst="rect">
-            <a:avLst/>
-          </a:prstGeom>
-        </p:spPr>
-      </p:pic>
-      <p:pic>
-        <p:nvPicPr>
-          <p:cNvPr id="240" name="Afbeelding 239"/>
-          <p:cNvPicPr>
-            <a:picLocks noChangeAspect="1"/>
-          </p:cNvPicPr>
-          <p:nvPr/>
-        </p:nvPicPr>
-        <p:blipFill>
-          <a:blip r:embed="rId12" cstate="print">
-            <a:extLst>
-              <a:ext uri="{28A0092B-C50C-407E-A947-70E740481C1C}">
-                <a14:useLocalDpi xmlns:a14="http://schemas.microsoft.com/office/drawing/2010/main" val="0"/>
-              </a:ext>
-            </a:extLst>
-          </a:blip>
-          <a:stretch>
-            <a:fillRect/>
-          </a:stretch>
-        </p:blipFill>
-        <p:spPr>
-          <a:xfrm>
-            <a:off x="2581843" y="2771071"/>
-            <a:ext cx="190800" cy="190800"/>
-          </a:xfrm>
-          <a:prstGeom prst="rect">
-            <a:avLst/>
-          </a:prstGeom>
-        </p:spPr>
-      </p:pic>
-      <p:pic>
-        <p:nvPicPr>
-          <p:cNvPr id="241" name="Afbeelding 240"/>
-          <p:cNvPicPr>
-            <a:picLocks noChangeAspect="1"/>
-          </p:cNvPicPr>
-          <p:nvPr/>
-        </p:nvPicPr>
-        <p:blipFill>
-          <a:blip r:embed="rId13" cstate="print">
-            <a:extLst>
-              <a:ext uri="{28A0092B-C50C-407E-A947-70E740481C1C}">
-                <a14:useLocalDpi xmlns:a14="http://schemas.microsoft.com/office/drawing/2010/main" val="0"/>
-              </a:ext>
-            </a:extLst>
-          </a:blip>
-          <a:stretch>
-            <a:fillRect/>
-          </a:stretch>
-        </p:blipFill>
-        <p:spPr>
-          <a:xfrm>
-            <a:off x="2796480" y="2771071"/>
-            <a:ext cx="190800" cy="190800"/>
-          </a:xfrm>
-          <a:prstGeom prst="rect">
-            <a:avLst/>
-          </a:prstGeom>
-        </p:spPr>
-      </p:pic>
-      <p:pic>
-        <p:nvPicPr>
-          <p:cNvPr id="242" name="Afbeelding 241"/>
-          <p:cNvPicPr>
-            <a:picLocks noChangeAspect="1"/>
-          </p:cNvPicPr>
-          <p:nvPr/>
-        </p:nvPicPr>
-        <p:blipFill>
-          <a:blip r:embed="rId14" cstate="print">
-            <a:extLst>
-              <a:ext uri="{28A0092B-C50C-407E-A947-70E740481C1C}">
-                <a14:useLocalDpi xmlns:a14="http://schemas.microsoft.com/office/drawing/2010/main" val="0"/>
-              </a:ext>
-            </a:extLst>
-          </a:blip>
-          <a:stretch>
-            <a:fillRect/>
-          </a:stretch>
-        </p:blipFill>
-        <p:spPr>
-          <a:xfrm>
-            <a:off x="435443" y="3019522"/>
-            <a:ext cx="190800" cy="190800"/>
-          </a:xfrm>
-          <a:prstGeom prst="rect">
-            <a:avLst/>
-          </a:prstGeom>
-        </p:spPr>
-      </p:pic>
-      <p:pic>
-        <p:nvPicPr>
-          <p:cNvPr id="243" name="Afbeelding 242"/>
-          <p:cNvPicPr>
-            <a:picLocks noChangeAspect="1"/>
-          </p:cNvPicPr>
-          <p:nvPr/>
-        </p:nvPicPr>
-        <p:blipFill>
-          <a:blip r:embed="rId15" cstate="print">
-            <a:extLst>
-              <a:ext uri="{28A0092B-C50C-407E-A947-70E740481C1C}">
-                <a14:useLocalDpi xmlns:a14="http://schemas.microsoft.com/office/drawing/2010/main" val="0"/>
-              </a:ext>
-            </a:extLst>
-          </a:blip>
-          <a:stretch>
-            <a:fillRect/>
-          </a:stretch>
-        </p:blipFill>
-        <p:spPr>
-          <a:xfrm>
-            <a:off x="649959" y="3019522"/>
-            <a:ext cx="190800" cy="190800"/>
-          </a:xfrm>
-          <a:prstGeom prst="rect">
-            <a:avLst/>
-          </a:prstGeom>
-        </p:spPr>
-      </p:pic>
-      <p:pic>
-        <p:nvPicPr>
-          <p:cNvPr id="244" name="Afbeelding 243"/>
-          <p:cNvPicPr>
-            <a:picLocks noChangeAspect="1"/>
-          </p:cNvPicPr>
-          <p:nvPr/>
-        </p:nvPicPr>
-        <p:blipFill>
-          <a:blip r:embed="rId16" cstate="print">
-            <a:extLst>
-              <a:ext uri="{28A0092B-C50C-407E-A947-70E740481C1C}">
-                <a14:useLocalDpi xmlns:a14="http://schemas.microsoft.com/office/drawing/2010/main" val="0"/>
-              </a:ext>
-            </a:extLst>
-          </a:blip>
-          <a:stretch>
-            <a:fillRect/>
-          </a:stretch>
-        </p:blipFill>
-        <p:spPr>
-          <a:xfrm>
-            <a:off x="864475" y="3019522"/>
-            <a:ext cx="190800" cy="190800"/>
-          </a:xfrm>
-          <a:prstGeom prst="rect">
-            <a:avLst/>
-          </a:prstGeom>
-        </p:spPr>
-      </p:pic>
-      <p:pic>
-        <p:nvPicPr>
-          <p:cNvPr id="245" name="Afbeelding 244"/>
-          <p:cNvPicPr>
-            <a:picLocks noChangeAspect="1"/>
-          </p:cNvPicPr>
-          <p:nvPr/>
-        </p:nvPicPr>
-        <p:blipFill>
-          <a:blip r:embed="rId17" cstate="print">
-            <a:extLst>
-              <a:ext uri="{28A0092B-C50C-407E-A947-70E740481C1C}">
-                <a14:useLocalDpi xmlns:a14="http://schemas.microsoft.com/office/drawing/2010/main" val="0"/>
-              </a:ext>
-            </a:extLst>
-          </a:blip>
-          <a:stretch>
-            <a:fillRect/>
-          </a:stretch>
-        </p:blipFill>
-        <p:spPr>
-          <a:xfrm>
-            <a:off x="1078991" y="3019522"/>
-            <a:ext cx="190800" cy="190800"/>
-          </a:xfrm>
-          <a:prstGeom prst="rect">
-            <a:avLst/>
-          </a:prstGeom>
-        </p:spPr>
-      </p:pic>
-      <p:pic>
-        <p:nvPicPr>
-          <p:cNvPr id="246" name="Afbeelding 245"/>
-          <p:cNvPicPr>
-            <a:picLocks noChangeAspect="1"/>
-          </p:cNvPicPr>
-          <p:nvPr/>
-        </p:nvPicPr>
-        <p:blipFill>
-          <a:blip r:embed="rId18" cstate="print">
-            <a:extLst>
-              <a:ext uri="{28A0092B-C50C-407E-A947-70E740481C1C}">
-                <a14:useLocalDpi xmlns:a14="http://schemas.microsoft.com/office/drawing/2010/main" val="0"/>
-              </a:ext>
-            </a:extLst>
-          </a:blip>
-          <a:stretch>
-            <a:fillRect/>
-          </a:stretch>
-        </p:blipFill>
-        <p:spPr>
-          <a:xfrm>
-            <a:off x="1293507" y="3019522"/>
-            <a:ext cx="190800" cy="190800"/>
-          </a:xfrm>
-          <a:prstGeom prst="rect">
-            <a:avLst/>
-          </a:prstGeom>
-        </p:spPr>
-      </p:pic>
-      <p:pic>
-        <p:nvPicPr>
-          <p:cNvPr id="247" name="Afbeelding 246"/>
-          <p:cNvPicPr>
-            <a:picLocks noChangeAspect="1"/>
-          </p:cNvPicPr>
-          <p:nvPr/>
-        </p:nvPicPr>
-        <p:blipFill>
-          <a:blip r:embed="rId19" cstate="print">
-            <a:extLst>
-              <a:ext uri="{28A0092B-C50C-407E-A947-70E740481C1C}">
-                <a14:useLocalDpi xmlns:a14="http://schemas.microsoft.com/office/drawing/2010/main" val="0"/>
-              </a:ext>
-            </a:extLst>
-          </a:blip>
-          <a:stretch>
-            <a:fillRect/>
-          </a:stretch>
-        </p:blipFill>
-        <p:spPr>
-          <a:xfrm>
-            <a:off x="1508023" y="3019522"/>
-            <a:ext cx="190800" cy="190800"/>
-          </a:xfrm>
-          <a:prstGeom prst="rect">
-            <a:avLst/>
-          </a:prstGeom>
-        </p:spPr>
-      </p:pic>
-      <p:pic>
-        <p:nvPicPr>
-          <p:cNvPr id="248" name="Afbeelding 247"/>
-          <p:cNvPicPr>
-            <a:picLocks noChangeAspect="1"/>
-          </p:cNvPicPr>
-          <p:nvPr/>
-        </p:nvPicPr>
-        <p:blipFill>
-          <a:blip r:embed="rId20" cstate="print">
-            <a:extLst>
-              <a:ext uri="{28A0092B-C50C-407E-A947-70E740481C1C}">
-                <a14:useLocalDpi xmlns:a14="http://schemas.microsoft.com/office/drawing/2010/main" val="0"/>
-              </a:ext>
-            </a:extLst>
-          </a:blip>
-          <a:stretch>
-            <a:fillRect/>
-          </a:stretch>
-        </p:blipFill>
-        <p:spPr>
-          <a:xfrm>
-            <a:off x="1722539" y="3019522"/>
-            <a:ext cx="190800" cy="190800"/>
-          </a:xfrm>
-          <a:prstGeom prst="rect">
-            <a:avLst/>
-          </a:prstGeom>
-        </p:spPr>
-      </p:pic>
-      <p:pic>
-        <p:nvPicPr>
-          <p:cNvPr id="249" name="Afbeelding 248"/>
-          <p:cNvPicPr>
-            <a:picLocks noChangeAspect="1"/>
-          </p:cNvPicPr>
-          <p:nvPr/>
-        </p:nvPicPr>
-        <p:blipFill>
-          <a:blip r:embed="rId21" cstate="print">
-            <a:extLst>
-              <a:ext uri="{28A0092B-C50C-407E-A947-70E740481C1C}">
-                <a14:useLocalDpi xmlns:a14="http://schemas.microsoft.com/office/drawing/2010/main" val="0"/>
-              </a:ext>
-            </a:extLst>
-          </a:blip>
-          <a:stretch>
-            <a:fillRect/>
-          </a:stretch>
-        </p:blipFill>
-        <p:spPr>
-          <a:xfrm>
-            <a:off x="1937055" y="3019522"/>
-            <a:ext cx="190800" cy="190800"/>
-          </a:xfrm>
-          <a:prstGeom prst="rect">
-            <a:avLst/>
-          </a:prstGeom>
-        </p:spPr>
-      </p:pic>
-      <p:pic>
-        <p:nvPicPr>
-          <p:cNvPr id="250" name="Afbeelding 249"/>
-          <p:cNvPicPr>
-            <a:picLocks noChangeAspect="1"/>
-          </p:cNvPicPr>
-          <p:nvPr/>
-        </p:nvPicPr>
-        <p:blipFill>
-          <a:blip r:embed="rId22" cstate="print">
-            <a:extLst>
-              <a:ext uri="{28A0092B-C50C-407E-A947-70E740481C1C}">
-                <a14:useLocalDpi xmlns:a14="http://schemas.microsoft.com/office/drawing/2010/main" val="0"/>
-              </a:ext>
-            </a:extLst>
-          </a:blip>
-          <a:stretch>
-            <a:fillRect/>
-          </a:stretch>
-        </p:blipFill>
-        <p:spPr>
-          <a:xfrm>
-            <a:off x="2151571" y="3019522"/>
-            <a:ext cx="190800" cy="190800"/>
-          </a:xfrm>
-          <a:prstGeom prst="rect">
-            <a:avLst/>
-          </a:prstGeom>
-        </p:spPr>
-      </p:pic>
-      <p:pic>
-        <p:nvPicPr>
-          <p:cNvPr id="251" name="Afbeelding 250"/>
-          <p:cNvPicPr>
-            <a:picLocks noChangeAspect="1"/>
-          </p:cNvPicPr>
-          <p:nvPr/>
-        </p:nvPicPr>
-        <p:blipFill>
-          <a:blip r:embed="rId23" cstate="print">
-            <a:extLst>
-              <a:ext uri="{28A0092B-C50C-407E-A947-70E740481C1C}">
-                <a14:useLocalDpi xmlns:a14="http://schemas.microsoft.com/office/drawing/2010/main" val="0"/>
-              </a:ext>
-            </a:extLst>
-          </a:blip>
-          <a:stretch>
-            <a:fillRect/>
-          </a:stretch>
-        </p:blipFill>
-        <p:spPr>
-          <a:xfrm>
-            <a:off x="2366087" y="3019522"/>
-            <a:ext cx="190800" cy="190800"/>
-          </a:xfrm>
-          <a:prstGeom prst="rect">
-            <a:avLst/>
-          </a:prstGeom>
-        </p:spPr>
-      </p:pic>
-      <p:pic>
-        <p:nvPicPr>
-          <p:cNvPr id="252" name="Afbeelding 251"/>
-          <p:cNvPicPr>
-            <a:picLocks noChangeAspect="1"/>
-          </p:cNvPicPr>
-          <p:nvPr/>
-        </p:nvPicPr>
-        <p:blipFill>
-          <a:blip r:embed="rId24" cstate="print">
-            <a:extLst>
-              <a:ext uri="{28A0092B-C50C-407E-A947-70E740481C1C}">
-                <a14:useLocalDpi xmlns:a14="http://schemas.microsoft.com/office/drawing/2010/main" val="0"/>
-              </a:ext>
-            </a:extLst>
-          </a:blip>
-          <a:stretch>
-            <a:fillRect/>
-          </a:stretch>
-        </p:blipFill>
-        <p:spPr>
-          <a:xfrm>
-            <a:off x="2580603" y="3019522"/>
-            <a:ext cx="190800" cy="190800"/>
-          </a:xfrm>
-          <a:prstGeom prst="rect">
-            <a:avLst/>
-          </a:prstGeom>
-        </p:spPr>
-      </p:pic>
-      <p:pic>
-        <p:nvPicPr>
-          <p:cNvPr id="253" name="Afbeelding 252"/>
-          <p:cNvPicPr>
-            <a:picLocks noChangeAspect="1"/>
-          </p:cNvPicPr>
-          <p:nvPr/>
-        </p:nvPicPr>
-        <p:blipFill>
-          <a:blip r:embed="rId25" cstate="print">
-            <a:extLst>
-              <a:ext uri="{28A0092B-C50C-407E-A947-70E740481C1C}">
-                <a14:useLocalDpi xmlns:a14="http://schemas.microsoft.com/office/drawing/2010/main" val="0"/>
-              </a:ext>
-            </a:extLst>
-          </a:blip>
-          <a:stretch>
-            <a:fillRect/>
-          </a:stretch>
-        </p:blipFill>
-        <p:spPr>
-          <a:xfrm>
-            <a:off x="2795116" y="3019522"/>
-            <a:ext cx="190800" cy="190800"/>
-          </a:xfrm>
-          <a:prstGeom prst="rect">
-            <a:avLst/>
-          </a:prstGeom>
-        </p:spPr>
-      </p:pic>
-      <p:pic>
-        <p:nvPicPr>
-          <p:cNvPr id="254" name="Afbeelding 253"/>
-          <p:cNvPicPr>
-            <a:picLocks noChangeAspect="1"/>
-          </p:cNvPicPr>
-          <p:nvPr/>
-        </p:nvPicPr>
-        <p:blipFill>
-          <a:blip r:embed="rId26" cstate="print">
-            <a:extLst>
-              <a:ext uri="{28A0092B-C50C-407E-A947-70E740481C1C}">
-                <a14:useLocalDpi xmlns:a14="http://schemas.microsoft.com/office/drawing/2010/main" val="0"/>
-              </a:ext>
-            </a:extLst>
-          </a:blip>
-          <a:stretch>
-            <a:fillRect/>
-          </a:stretch>
-        </p:blipFill>
-        <p:spPr>
-          <a:xfrm>
-            <a:off x="436521" y="3275018"/>
-            <a:ext cx="190800" cy="190800"/>
-          </a:xfrm>
-          <a:prstGeom prst="rect">
-            <a:avLst/>
-          </a:prstGeom>
-        </p:spPr>
-      </p:pic>
-      <p:pic>
-        <p:nvPicPr>
-          <p:cNvPr id="255" name="Afbeelding 254"/>
-          <p:cNvPicPr>
-            <a:picLocks noChangeAspect="1"/>
-          </p:cNvPicPr>
-          <p:nvPr/>
-        </p:nvPicPr>
-        <p:blipFill>
-          <a:blip r:embed="rId27" cstate="print">
-            <a:extLst>
-              <a:ext uri="{28A0092B-C50C-407E-A947-70E740481C1C}">
-                <a14:useLocalDpi xmlns:a14="http://schemas.microsoft.com/office/drawing/2010/main" val="0"/>
-              </a:ext>
-            </a:extLst>
-          </a:blip>
-          <a:stretch>
-            <a:fillRect/>
-          </a:stretch>
-        </p:blipFill>
-        <p:spPr>
-          <a:xfrm>
-            <a:off x="650915" y="3275018"/>
-            <a:ext cx="190800" cy="190800"/>
-          </a:xfrm>
-          <a:prstGeom prst="rect">
-            <a:avLst/>
-          </a:prstGeom>
-        </p:spPr>
-      </p:pic>
-      <p:pic>
-        <p:nvPicPr>
-          <p:cNvPr id="256" name="Afbeelding 255"/>
-          <p:cNvPicPr>
-            <a:picLocks noChangeAspect="1"/>
-          </p:cNvPicPr>
-          <p:nvPr/>
-        </p:nvPicPr>
-        <p:blipFill>
-          <a:blip r:embed="rId28" cstate="print">
-            <a:extLst>
-              <a:ext uri="{28A0092B-C50C-407E-A947-70E740481C1C}">
-                <a14:useLocalDpi xmlns:a14="http://schemas.microsoft.com/office/drawing/2010/main" val="0"/>
-              </a:ext>
-            </a:extLst>
-          </a:blip>
-          <a:stretch>
-            <a:fillRect/>
-          </a:stretch>
-        </p:blipFill>
-        <p:spPr>
-          <a:xfrm>
-            <a:off x="865309" y="3275018"/>
-            <a:ext cx="190800" cy="190800"/>
-          </a:xfrm>
-          <a:prstGeom prst="rect">
-            <a:avLst/>
-          </a:prstGeom>
-        </p:spPr>
-      </p:pic>
-      <p:pic>
-        <p:nvPicPr>
-          <p:cNvPr id="257" name="Afbeelding 256"/>
-          <p:cNvPicPr>
-            <a:picLocks noChangeAspect="1"/>
-          </p:cNvPicPr>
-          <p:nvPr/>
-        </p:nvPicPr>
-        <p:blipFill>
-          <a:blip r:embed="rId29" cstate="print">
-            <a:extLst>
-              <a:ext uri="{28A0092B-C50C-407E-A947-70E740481C1C}">
-                <a14:useLocalDpi xmlns:a14="http://schemas.microsoft.com/office/drawing/2010/main" val="0"/>
-              </a:ext>
-            </a:extLst>
-          </a:blip>
-          <a:stretch>
-            <a:fillRect/>
-          </a:stretch>
-        </p:blipFill>
-        <p:spPr>
-          <a:xfrm>
-            <a:off x="1079703" y="3275018"/>
-            <a:ext cx="190800" cy="190800"/>
-          </a:xfrm>
-          <a:prstGeom prst="rect">
-            <a:avLst/>
-          </a:prstGeom>
-        </p:spPr>
-      </p:pic>
-      <p:pic>
-        <p:nvPicPr>
-          <p:cNvPr id="258" name="Afbeelding 257"/>
-          <p:cNvPicPr>
-            <a:picLocks noChangeAspect="1"/>
-          </p:cNvPicPr>
-          <p:nvPr/>
-        </p:nvPicPr>
-        <p:blipFill>
-          <a:blip r:embed="rId30" cstate="print">
-            <a:extLst>
-              <a:ext uri="{28A0092B-C50C-407E-A947-70E740481C1C}">
-                <a14:useLocalDpi xmlns:a14="http://schemas.microsoft.com/office/drawing/2010/main" val="0"/>
-              </a:ext>
-            </a:extLst>
-          </a:blip>
-          <a:stretch>
-            <a:fillRect/>
-          </a:stretch>
-        </p:blipFill>
-        <p:spPr>
-          <a:xfrm>
-            <a:off x="1294097" y="3275018"/>
-            <a:ext cx="190800" cy="190800"/>
-          </a:xfrm>
-          <a:prstGeom prst="rect">
-            <a:avLst/>
-          </a:prstGeom>
-        </p:spPr>
-      </p:pic>
-      <p:pic>
-        <p:nvPicPr>
-          <p:cNvPr id="259" name="Afbeelding 258"/>
-          <p:cNvPicPr>
-            <a:picLocks noChangeAspect="1"/>
-          </p:cNvPicPr>
-          <p:nvPr/>
-        </p:nvPicPr>
-        <p:blipFill>
-          <a:blip r:embed="rId31" cstate="print">
-            <a:extLst>
-              <a:ext uri="{28A0092B-C50C-407E-A947-70E740481C1C}">
-                <a14:useLocalDpi xmlns:a14="http://schemas.microsoft.com/office/drawing/2010/main" val="0"/>
-              </a:ext>
-            </a:extLst>
-          </a:blip>
-          <a:stretch>
-            <a:fillRect/>
-          </a:stretch>
-        </p:blipFill>
-        <p:spPr>
-          <a:xfrm>
-            <a:off x="1508491" y="3275018"/>
-            <a:ext cx="190800" cy="190800"/>
-          </a:xfrm>
-          <a:prstGeom prst="rect">
-            <a:avLst/>
-          </a:prstGeom>
-        </p:spPr>
-      </p:pic>
-      <p:pic>
-        <p:nvPicPr>
-          <p:cNvPr id="260" name="Afbeelding 259"/>
-          <p:cNvPicPr>
-            <a:picLocks noChangeAspect="1"/>
-          </p:cNvPicPr>
-          <p:nvPr/>
-        </p:nvPicPr>
-        <p:blipFill>
-          <a:blip r:embed="rId32" cstate="print">
-            <a:extLst>
-              <a:ext uri="{28A0092B-C50C-407E-A947-70E740481C1C}">
-                <a14:useLocalDpi xmlns:a14="http://schemas.microsoft.com/office/drawing/2010/main" val="0"/>
-              </a:ext>
-            </a:extLst>
-          </a:blip>
-          <a:stretch>
-            <a:fillRect/>
-          </a:stretch>
-        </p:blipFill>
-        <p:spPr>
-          <a:xfrm>
-            <a:off x="1722885" y="3275018"/>
-            <a:ext cx="190800" cy="190800"/>
-          </a:xfrm>
-          <a:prstGeom prst="rect">
-            <a:avLst/>
-          </a:prstGeom>
-        </p:spPr>
-      </p:pic>
-      <p:pic>
-        <p:nvPicPr>
-          <p:cNvPr id="261" name="Afbeelding 260"/>
-          <p:cNvPicPr>
-            <a:picLocks noChangeAspect="1"/>
-          </p:cNvPicPr>
-          <p:nvPr/>
-        </p:nvPicPr>
-        <p:blipFill>
-          <a:blip r:embed="rId33" cstate="print">
-            <a:extLst>
-              <a:ext uri="{28A0092B-C50C-407E-A947-70E740481C1C}">
-                <a14:useLocalDpi xmlns:a14="http://schemas.microsoft.com/office/drawing/2010/main" val="0"/>
-              </a:ext>
-            </a:extLst>
-          </a:blip>
-          <a:stretch>
-            <a:fillRect/>
-          </a:stretch>
-        </p:blipFill>
-        <p:spPr>
-          <a:xfrm>
-            <a:off x="1937279" y="3275018"/>
-            <a:ext cx="190800" cy="190800"/>
-          </a:xfrm>
-          <a:prstGeom prst="rect">
-            <a:avLst/>
-          </a:prstGeom>
-        </p:spPr>
-      </p:pic>
-      <p:pic>
-        <p:nvPicPr>
-          <p:cNvPr id="262" name="Afbeelding 261"/>
-          <p:cNvPicPr>
-            <a:picLocks noChangeAspect="1"/>
-          </p:cNvPicPr>
-          <p:nvPr/>
-        </p:nvPicPr>
-        <p:blipFill>
-          <a:blip r:embed="rId34" cstate="print">
-            <a:extLst>
-              <a:ext uri="{28A0092B-C50C-407E-A947-70E740481C1C}">
-                <a14:useLocalDpi xmlns:a14="http://schemas.microsoft.com/office/drawing/2010/main" val="0"/>
-              </a:ext>
-            </a:extLst>
-          </a:blip>
-          <a:stretch>
-            <a:fillRect/>
-          </a:stretch>
-        </p:blipFill>
-        <p:spPr>
-          <a:xfrm>
-            <a:off x="2151673" y="3275018"/>
-            <a:ext cx="190800" cy="190800"/>
-          </a:xfrm>
-          <a:prstGeom prst="rect">
-            <a:avLst/>
-          </a:prstGeom>
-        </p:spPr>
-      </p:pic>
-      <p:pic>
-        <p:nvPicPr>
-          <p:cNvPr id="263" name="Afbeelding 262"/>
-          <p:cNvPicPr>
-            <a:picLocks noChangeAspect="1"/>
-          </p:cNvPicPr>
-          <p:nvPr/>
-        </p:nvPicPr>
-        <p:blipFill>
-          <a:blip r:embed="rId35" cstate="print">
-            <a:extLst>
-              <a:ext uri="{28A0092B-C50C-407E-A947-70E740481C1C}">
-                <a14:useLocalDpi xmlns:a14="http://schemas.microsoft.com/office/drawing/2010/main" val="0"/>
-              </a:ext>
-            </a:extLst>
-          </a:blip>
-          <a:stretch>
-            <a:fillRect/>
-          </a:stretch>
-        </p:blipFill>
-        <p:spPr>
-          <a:xfrm>
-            <a:off x="2366067" y="3275018"/>
-            <a:ext cx="190800" cy="190800"/>
-          </a:xfrm>
-          <a:prstGeom prst="rect">
-            <a:avLst/>
-          </a:prstGeom>
-        </p:spPr>
-      </p:pic>
-      <p:pic>
-        <p:nvPicPr>
-          <p:cNvPr id="264" name="Afbeelding 263"/>
-          <p:cNvPicPr>
-            <a:picLocks noChangeAspect="1"/>
-          </p:cNvPicPr>
-          <p:nvPr/>
-        </p:nvPicPr>
-        <p:blipFill>
-          <a:blip r:embed="rId36" cstate="print">
-            <a:extLst>
-              <a:ext uri="{28A0092B-C50C-407E-A947-70E740481C1C}">
-                <a14:useLocalDpi xmlns:a14="http://schemas.microsoft.com/office/drawing/2010/main" val="0"/>
-              </a:ext>
-            </a:extLst>
-          </a:blip>
-          <a:stretch>
-            <a:fillRect/>
-          </a:stretch>
-        </p:blipFill>
-        <p:spPr>
-          <a:xfrm>
-            <a:off x="2580461" y="3275018"/>
-            <a:ext cx="190800" cy="190800"/>
-          </a:xfrm>
-          <a:prstGeom prst="rect">
-            <a:avLst/>
-          </a:prstGeom>
-        </p:spPr>
-      </p:pic>
-      <p:pic>
-        <p:nvPicPr>
-          <p:cNvPr id="265" name="Afbeelding 264"/>
-          <p:cNvPicPr>
-            <a:picLocks noChangeAspect="1"/>
-          </p:cNvPicPr>
-          <p:nvPr/>
-        </p:nvPicPr>
-        <p:blipFill>
-          <a:blip r:embed="rId37" cstate="print">
-            <a:extLst>
-              <a:ext uri="{28A0092B-C50C-407E-A947-70E740481C1C}">
-                <a14:useLocalDpi xmlns:a14="http://schemas.microsoft.com/office/drawing/2010/main" val="0"/>
-              </a:ext>
-            </a:extLst>
-          </a:blip>
-          <a:stretch>
-            <a:fillRect/>
-          </a:stretch>
-        </p:blipFill>
-        <p:spPr>
-          <a:xfrm>
-            <a:off x="2794858" y="3275018"/>
-            <a:ext cx="190800" cy="190800"/>
-          </a:xfrm>
-          <a:prstGeom prst="rect">
-            <a:avLst/>
-          </a:prstGeom>
-        </p:spPr>
-      </p:pic>
-      <p:pic>
-        <p:nvPicPr>
-          <p:cNvPr id="266" name="Afbeelding 265"/>
-          <p:cNvPicPr>
-            <a:picLocks noChangeAspect="1"/>
-          </p:cNvPicPr>
-          <p:nvPr/>
-        </p:nvPicPr>
-        <p:blipFill>
-          <a:blip r:embed="rId38" cstate="print">
-            <a:extLst>
-              <a:ext uri="{28A0092B-C50C-407E-A947-70E740481C1C}">
-                <a14:useLocalDpi xmlns:a14="http://schemas.microsoft.com/office/drawing/2010/main" val="0"/>
-              </a:ext>
-            </a:extLst>
-          </a:blip>
-          <a:stretch>
-            <a:fillRect/>
-          </a:stretch>
-        </p:blipFill>
-        <p:spPr>
-          <a:xfrm>
-            <a:off x="3866655" y="2739996"/>
-            <a:ext cx="190800" cy="190800"/>
-          </a:xfrm>
-          <a:prstGeom prst="rect">
-            <a:avLst/>
-          </a:prstGeom>
-        </p:spPr>
-      </p:pic>
-      <p:pic>
-        <p:nvPicPr>
-          <p:cNvPr id="267" name="Afbeelding 266"/>
-          <p:cNvPicPr>
-            <a:picLocks noChangeAspect="1"/>
-          </p:cNvPicPr>
-          <p:nvPr/>
-        </p:nvPicPr>
-        <p:blipFill>
-          <a:blip r:embed="rId39" cstate="print">
-            <a:extLst>
-              <a:ext uri="{28A0092B-C50C-407E-A947-70E740481C1C}">
-                <a14:useLocalDpi xmlns:a14="http://schemas.microsoft.com/office/drawing/2010/main" val="0"/>
-              </a:ext>
-            </a:extLst>
-          </a:blip>
-          <a:stretch>
-            <a:fillRect/>
-          </a:stretch>
-        </p:blipFill>
-        <p:spPr>
-          <a:xfrm>
-            <a:off x="4080964" y="2739996"/>
-            <a:ext cx="190800" cy="190800"/>
-          </a:xfrm>
-          <a:prstGeom prst="rect">
-            <a:avLst/>
-          </a:prstGeom>
-        </p:spPr>
-      </p:pic>
-      <p:pic>
-        <p:nvPicPr>
-          <p:cNvPr id="268" name="Afbeelding 267"/>
-          <p:cNvPicPr>
-            <a:picLocks noChangeAspect="1"/>
-          </p:cNvPicPr>
-          <p:nvPr/>
-        </p:nvPicPr>
-        <p:blipFill>
-          <a:blip r:embed="rId40" cstate="print">
-            <a:extLst>
-              <a:ext uri="{28A0092B-C50C-407E-A947-70E740481C1C}">
-                <a14:useLocalDpi xmlns:a14="http://schemas.microsoft.com/office/drawing/2010/main" val="0"/>
-              </a:ext>
-            </a:extLst>
-          </a:blip>
-          <a:stretch>
-            <a:fillRect/>
-          </a:stretch>
-        </p:blipFill>
-        <p:spPr>
-          <a:xfrm>
-            <a:off x="4295273" y="2739996"/>
-            <a:ext cx="190800" cy="190800"/>
-          </a:xfrm>
-          <a:prstGeom prst="rect">
-            <a:avLst/>
-          </a:prstGeom>
-        </p:spPr>
-      </p:pic>
-      <p:pic>
-        <p:nvPicPr>
-          <p:cNvPr id="269" name="Afbeelding 268"/>
-          <p:cNvPicPr>
-            <a:picLocks noChangeAspect="1"/>
-          </p:cNvPicPr>
-          <p:nvPr/>
-        </p:nvPicPr>
-        <p:blipFill>
-          <a:blip r:embed="rId41" cstate="print">
-            <a:extLst>
-              <a:ext uri="{28A0092B-C50C-407E-A947-70E740481C1C}">
-                <a14:useLocalDpi xmlns:a14="http://schemas.microsoft.com/office/drawing/2010/main" val="0"/>
-              </a:ext>
-            </a:extLst>
-          </a:blip>
-          <a:stretch>
-            <a:fillRect/>
-          </a:stretch>
-        </p:blipFill>
-        <p:spPr>
-          <a:xfrm>
-            <a:off x="4509582" y="2739996"/>
-            <a:ext cx="190800" cy="190800"/>
-          </a:xfrm>
-          <a:prstGeom prst="rect">
-            <a:avLst/>
-          </a:prstGeom>
-        </p:spPr>
-      </p:pic>
-      <p:pic>
-        <p:nvPicPr>
-          <p:cNvPr id="270" name="Afbeelding 269"/>
-          <p:cNvPicPr>
-            <a:picLocks noChangeAspect="1"/>
-          </p:cNvPicPr>
-          <p:nvPr/>
-        </p:nvPicPr>
-        <p:blipFill>
-          <a:blip r:embed="rId42" cstate="print">
-            <a:extLst>
-              <a:ext uri="{28A0092B-C50C-407E-A947-70E740481C1C}">
-                <a14:useLocalDpi xmlns:a14="http://schemas.microsoft.com/office/drawing/2010/main" val="0"/>
-              </a:ext>
-            </a:extLst>
-          </a:blip>
-          <a:stretch>
-            <a:fillRect/>
-          </a:stretch>
-        </p:blipFill>
-        <p:spPr>
-          <a:xfrm>
-            <a:off x="4723891" y="2739996"/>
-            <a:ext cx="190800" cy="190800"/>
-          </a:xfrm>
-          <a:prstGeom prst="rect">
-            <a:avLst/>
-          </a:prstGeom>
-        </p:spPr>
-      </p:pic>
-      <p:pic>
-        <p:nvPicPr>
-          <p:cNvPr id="271" name="Afbeelding 270"/>
-          <p:cNvPicPr>
-            <a:picLocks noChangeAspect="1"/>
-          </p:cNvPicPr>
-          <p:nvPr/>
-        </p:nvPicPr>
-        <p:blipFill>
-          <a:blip r:embed="rId43" cstate="print">
-            <a:extLst>
-              <a:ext uri="{28A0092B-C50C-407E-A947-70E740481C1C}">
-                <a14:useLocalDpi xmlns:a14="http://schemas.microsoft.com/office/drawing/2010/main" val="0"/>
-              </a:ext>
-            </a:extLst>
-          </a:blip>
-          <a:stretch>
-            <a:fillRect/>
-          </a:stretch>
-        </p:blipFill>
-        <p:spPr>
-          <a:xfrm>
-            <a:off x="4938200" y="2739996"/>
-            <a:ext cx="190800" cy="190800"/>
-          </a:xfrm>
-          <a:prstGeom prst="rect">
-            <a:avLst/>
-          </a:prstGeom>
-        </p:spPr>
-      </p:pic>
-      <p:pic>
-        <p:nvPicPr>
-          <p:cNvPr id="272" name="Afbeelding 271"/>
-          <p:cNvPicPr>
-            <a:picLocks noChangeAspect="1"/>
-          </p:cNvPicPr>
-          <p:nvPr/>
-        </p:nvPicPr>
-        <p:blipFill>
-          <a:blip r:embed="rId44" cstate="print">
-            <a:extLst>
-              <a:ext uri="{28A0092B-C50C-407E-A947-70E740481C1C}">
-                <a14:useLocalDpi xmlns:a14="http://schemas.microsoft.com/office/drawing/2010/main" val="0"/>
-              </a:ext>
-            </a:extLst>
-          </a:blip>
-          <a:stretch>
-            <a:fillRect/>
-          </a:stretch>
-        </p:blipFill>
-        <p:spPr>
-          <a:xfrm>
-            <a:off x="5152509" y="2739996"/>
-            <a:ext cx="190800" cy="190800"/>
-          </a:xfrm>
-          <a:prstGeom prst="rect">
-            <a:avLst/>
-          </a:prstGeom>
-        </p:spPr>
-      </p:pic>
-      <p:pic>
-        <p:nvPicPr>
-          <p:cNvPr id="273" name="Afbeelding 272"/>
-          <p:cNvPicPr>
-            <a:picLocks noChangeAspect="1"/>
-          </p:cNvPicPr>
-          <p:nvPr/>
-        </p:nvPicPr>
-        <p:blipFill>
-          <a:blip r:embed="rId45" cstate="print">
-            <a:extLst>
-              <a:ext uri="{28A0092B-C50C-407E-A947-70E740481C1C}">
-                <a14:useLocalDpi xmlns:a14="http://schemas.microsoft.com/office/drawing/2010/main" val="0"/>
-              </a:ext>
-            </a:extLst>
-          </a:blip>
-          <a:stretch>
-            <a:fillRect/>
-          </a:stretch>
-        </p:blipFill>
-        <p:spPr>
-          <a:xfrm>
-            <a:off x="5366818" y="2739996"/>
-            <a:ext cx="190800" cy="190800"/>
-          </a:xfrm>
-          <a:prstGeom prst="rect">
-            <a:avLst/>
-          </a:prstGeom>
-        </p:spPr>
-      </p:pic>
-      <p:pic>
-        <p:nvPicPr>
-          <p:cNvPr id="274" name="Afbeelding 273"/>
-          <p:cNvPicPr>
-            <a:picLocks noChangeAspect="1"/>
-          </p:cNvPicPr>
-          <p:nvPr/>
-        </p:nvPicPr>
-        <p:blipFill>
-          <a:blip r:embed="rId46" cstate="print">
-            <a:extLst>
-              <a:ext uri="{28A0092B-C50C-407E-A947-70E740481C1C}">
-                <a14:useLocalDpi xmlns:a14="http://schemas.microsoft.com/office/drawing/2010/main" val="0"/>
-              </a:ext>
-            </a:extLst>
-          </a:blip>
-          <a:stretch>
-            <a:fillRect/>
-          </a:stretch>
-        </p:blipFill>
-        <p:spPr>
-          <a:xfrm>
-            <a:off x="5581127" y="2739996"/>
-            <a:ext cx="190800" cy="190800"/>
-          </a:xfrm>
-          <a:prstGeom prst="rect">
-            <a:avLst/>
-          </a:prstGeom>
-        </p:spPr>
-      </p:pic>
-      <p:pic>
-        <p:nvPicPr>
-          <p:cNvPr id="275" name="Afbeelding 274"/>
-          <p:cNvPicPr>
-            <a:picLocks noChangeAspect="1"/>
-          </p:cNvPicPr>
-          <p:nvPr/>
-        </p:nvPicPr>
-        <p:blipFill>
-          <a:blip r:embed="rId47" cstate="print">
-            <a:extLst>
-              <a:ext uri="{28A0092B-C50C-407E-A947-70E740481C1C}">
-                <a14:useLocalDpi xmlns:a14="http://schemas.microsoft.com/office/drawing/2010/main" val="0"/>
-              </a:ext>
-            </a:extLst>
-          </a:blip>
-          <a:stretch>
-            <a:fillRect/>
-          </a:stretch>
-        </p:blipFill>
-        <p:spPr>
-          <a:xfrm>
-            <a:off x="5795436" y="2739996"/>
-            <a:ext cx="190800" cy="190800"/>
-          </a:xfrm>
-          <a:prstGeom prst="rect">
-            <a:avLst/>
-          </a:prstGeom>
-        </p:spPr>
-      </p:pic>
-      <p:pic>
-        <p:nvPicPr>
-          <p:cNvPr id="276" name="Afbeelding 275"/>
-          <p:cNvPicPr>
-            <a:picLocks noChangeAspect="1"/>
-          </p:cNvPicPr>
-          <p:nvPr/>
-        </p:nvPicPr>
-        <p:blipFill>
-          <a:blip r:embed="rId48" cstate="print">
-            <a:extLst>
-              <a:ext uri="{28A0092B-C50C-407E-A947-70E740481C1C}">
-                <a14:useLocalDpi xmlns:a14="http://schemas.microsoft.com/office/drawing/2010/main" val="0"/>
-              </a:ext>
-            </a:extLst>
-          </a:blip>
-          <a:stretch>
-            <a:fillRect/>
-          </a:stretch>
-        </p:blipFill>
-        <p:spPr>
-          <a:xfrm>
-            <a:off x="6009745" y="2739996"/>
-            <a:ext cx="190800" cy="190800"/>
-          </a:xfrm>
-          <a:prstGeom prst="rect">
-            <a:avLst/>
-          </a:prstGeom>
-        </p:spPr>
-      </p:pic>
-      <p:pic>
-        <p:nvPicPr>
-          <p:cNvPr id="277" name="Afbeelding 276"/>
-          <p:cNvPicPr>
-            <a:picLocks noChangeAspect="1"/>
-          </p:cNvPicPr>
-          <p:nvPr/>
-        </p:nvPicPr>
-        <p:blipFill>
-          <a:blip r:embed="rId49" cstate="print">
-            <a:extLst>
-              <a:ext uri="{28A0092B-C50C-407E-A947-70E740481C1C}">
-                <a14:useLocalDpi xmlns:a14="http://schemas.microsoft.com/office/drawing/2010/main" val="0"/>
-              </a:ext>
-            </a:extLst>
-          </a:blip>
-          <a:stretch>
-            <a:fillRect/>
-          </a:stretch>
-        </p:blipFill>
-        <p:spPr>
-          <a:xfrm>
-            <a:off x="6224058" y="2739996"/>
-            <a:ext cx="190800" cy="190800"/>
-          </a:xfrm>
-          <a:prstGeom prst="rect">
-            <a:avLst/>
-          </a:prstGeom>
-        </p:spPr>
-      </p:pic>
-      <p:pic>
-        <p:nvPicPr>
-          <p:cNvPr id="278" name="Afbeelding 277"/>
-          <p:cNvPicPr>
-            <a:picLocks noChangeAspect="1"/>
-          </p:cNvPicPr>
-          <p:nvPr/>
-        </p:nvPicPr>
-        <p:blipFill>
-          <a:blip r:embed="rId50" cstate="print">
-            <a:extLst>
-              <a:ext uri="{28A0092B-C50C-407E-A947-70E740481C1C}">
-                <a14:useLocalDpi xmlns:a14="http://schemas.microsoft.com/office/drawing/2010/main" val="0"/>
-              </a:ext>
-            </a:extLst>
-          </a:blip>
-          <a:stretch>
-            <a:fillRect/>
-          </a:stretch>
-        </p:blipFill>
-        <p:spPr>
-          <a:xfrm>
-            <a:off x="3863669" y="3007348"/>
-            <a:ext cx="190800" cy="190800"/>
-          </a:xfrm>
-          <a:prstGeom prst="rect">
-            <a:avLst/>
-          </a:prstGeom>
-        </p:spPr>
-      </p:pic>
-      <p:pic>
-        <p:nvPicPr>
-          <p:cNvPr id="279" name="Afbeelding 278"/>
-          <p:cNvPicPr>
-            <a:picLocks noChangeAspect="1"/>
-          </p:cNvPicPr>
-          <p:nvPr/>
-        </p:nvPicPr>
-        <p:blipFill>
-          <a:blip r:embed="rId51" cstate="print">
-            <a:extLst>
-              <a:ext uri="{28A0092B-C50C-407E-A947-70E740481C1C}">
-                <a14:useLocalDpi xmlns:a14="http://schemas.microsoft.com/office/drawing/2010/main" val="0"/>
-              </a:ext>
-            </a:extLst>
-          </a:blip>
-          <a:stretch>
-            <a:fillRect/>
-          </a:stretch>
-        </p:blipFill>
-        <p:spPr>
-          <a:xfrm>
-            <a:off x="4077978" y="3007348"/>
-            <a:ext cx="190800" cy="190800"/>
-          </a:xfrm>
-          <a:prstGeom prst="rect">
-            <a:avLst/>
-          </a:prstGeom>
-        </p:spPr>
-      </p:pic>
-      <p:pic>
-        <p:nvPicPr>
-          <p:cNvPr id="280" name="Afbeelding 279"/>
-          <p:cNvPicPr>
-            <a:picLocks noChangeAspect="1"/>
-          </p:cNvPicPr>
-          <p:nvPr/>
-        </p:nvPicPr>
-        <p:blipFill>
-          <a:blip r:embed="rId52" cstate="print">
-            <a:extLst>
-              <a:ext uri="{28A0092B-C50C-407E-A947-70E740481C1C}">
-                <a14:useLocalDpi xmlns:a14="http://schemas.microsoft.com/office/drawing/2010/main" val="0"/>
-              </a:ext>
-            </a:extLst>
-          </a:blip>
-          <a:stretch>
-            <a:fillRect/>
-          </a:stretch>
-        </p:blipFill>
-        <p:spPr>
-          <a:xfrm>
-            <a:off x="4292287" y="3007348"/>
-            <a:ext cx="190800" cy="190800"/>
-          </a:xfrm>
-          <a:prstGeom prst="rect">
-            <a:avLst/>
-          </a:prstGeom>
-        </p:spPr>
-      </p:pic>
-      <p:pic>
-        <p:nvPicPr>
-          <p:cNvPr id="281" name="Afbeelding 280"/>
-          <p:cNvPicPr>
-            <a:picLocks noChangeAspect="1"/>
-          </p:cNvPicPr>
-          <p:nvPr/>
-        </p:nvPicPr>
-        <p:blipFill>
-          <a:blip r:embed="rId53" cstate="print">
-            <a:extLst>
-              <a:ext uri="{28A0092B-C50C-407E-A947-70E740481C1C}">
-                <a14:useLocalDpi xmlns:a14="http://schemas.microsoft.com/office/drawing/2010/main" val="0"/>
-              </a:ext>
-            </a:extLst>
-          </a:blip>
-          <a:stretch>
-            <a:fillRect/>
-          </a:stretch>
-        </p:blipFill>
-        <p:spPr>
-          <a:xfrm>
-            <a:off x="4506596" y="3007348"/>
-            <a:ext cx="190800" cy="190800"/>
-          </a:xfrm>
-          <a:prstGeom prst="rect">
-            <a:avLst/>
-          </a:prstGeom>
-        </p:spPr>
-      </p:pic>
-      <p:pic>
-        <p:nvPicPr>
-          <p:cNvPr id="282" name="Afbeelding 281"/>
-          <p:cNvPicPr>
-            <a:picLocks noChangeAspect="1"/>
-          </p:cNvPicPr>
-          <p:nvPr/>
-        </p:nvPicPr>
-        <p:blipFill>
-          <a:blip r:embed="rId54" cstate="print">
-            <a:extLst>
-              <a:ext uri="{28A0092B-C50C-407E-A947-70E740481C1C}">
-                <a14:useLocalDpi xmlns:a14="http://schemas.microsoft.com/office/drawing/2010/main" val="0"/>
-              </a:ext>
-            </a:extLst>
-          </a:blip>
-          <a:stretch>
-            <a:fillRect/>
-          </a:stretch>
-        </p:blipFill>
-        <p:spPr>
-          <a:xfrm>
-            <a:off x="4720905" y="3007348"/>
-            <a:ext cx="190800" cy="190800"/>
-          </a:xfrm>
-          <a:prstGeom prst="rect">
-            <a:avLst/>
-          </a:prstGeom>
-        </p:spPr>
-      </p:pic>
-      <p:pic>
-        <p:nvPicPr>
-          <p:cNvPr id="283" name="Afbeelding 282"/>
-          <p:cNvPicPr>
-            <a:picLocks noChangeAspect="1"/>
-          </p:cNvPicPr>
-          <p:nvPr/>
-        </p:nvPicPr>
-        <p:blipFill>
-          <a:blip r:embed="rId55" cstate="print">
-            <a:extLst>
-              <a:ext uri="{28A0092B-C50C-407E-A947-70E740481C1C}">
-                <a14:useLocalDpi xmlns:a14="http://schemas.microsoft.com/office/drawing/2010/main" val="0"/>
-              </a:ext>
-            </a:extLst>
-          </a:blip>
-          <a:stretch>
-            <a:fillRect/>
-          </a:stretch>
-        </p:blipFill>
-        <p:spPr>
-          <a:xfrm>
-            <a:off x="4935214" y="3007348"/>
-            <a:ext cx="190800" cy="190800"/>
-          </a:xfrm>
-          <a:prstGeom prst="rect">
-            <a:avLst/>
-          </a:prstGeom>
-        </p:spPr>
-      </p:pic>
-      <p:pic>
-        <p:nvPicPr>
-          <p:cNvPr id="284" name="Afbeelding 283"/>
-          <p:cNvPicPr>
-            <a:picLocks noChangeAspect="1"/>
-          </p:cNvPicPr>
-          <p:nvPr/>
-        </p:nvPicPr>
-        <p:blipFill>
-          <a:blip r:embed="rId56" cstate="print">
-            <a:extLst>
-              <a:ext uri="{28A0092B-C50C-407E-A947-70E740481C1C}">
-                <a14:useLocalDpi xmlns:a14="http://schemas.microsoft.com/office/drawing/2010/main" val="0"/>
-              </a:ext>
-            </a:extLst>
-          </a:blip>
-          <a:stretch>
-            <a:fillRect/>
-          </a:stretch>
-        </p:blipFill>
-        <p:spPr>
-          <a:xfrm>
-            <a:off x="5149523" y="3007348"/>
-            <a:ext cx="190800" cy="190800"/>
-          </a:xfrm>
-          <a:prstGeom prst="rect">
-            <a:avLst/>
-          </a:prstGeom>
-        </p:spPr>
-      </p:pic>
-      <p:pic>
-        <p:nvPicPr>
-          <p:cNvPr id="285" name="Afbeelding 284"/>
-          <p:cNvPicPr>
-            <a:picLocks noChangeAspect="1"/>
-          </p:cNvPicPr>
-          <p:nvPr/>
-        </p:nvPicPr>
-        <p:blipFill>
-          <a:blip r:embed="rId57" cstate="print">
-            <a:extLst>
-              <a:ext uri="{28A0092B-C50C-407E-A947-70E740481C1C}">
-                <a14:useLocalDpi xmlns:a14="http://schemas.microsoft.com/office/drawing/2010/main" val="0"/>
-              </a:ext>
-            </a:extLst>
-          </a:blip>
-          <a:stretch>
-            <a:fillRect/>
-          </a:stretch>
-        </p:blipFill>
-        <p:spPr>
-          <a:xfrm>
-            <a:off x="5363832" y="3007348"/>
-            <a:ext cx="190800" cy="190800"/>
-          </a:xfrm>
-          <a:prstGeom prst="rect">
-            <a:avLst/>
-          </a:prstGeom>
-        </p:spPr>
-      </p:pic>
-      <p:pic>
-        <p:nvPicPr>
-          <p:cNvPr id="286" name="Afbeelding 285"/>
-          <p:cNvPicPr>
-            <a:picLocks noChangeAspect="1"/>
-          </p:cNvPicPr>
-          <p:nvPr/>
-        </p:nvPicPr>
-        <p:blipFill>
-          <a:blip r:embed="rId58" cstate="print">
-            <a:extLst>
-              <a:ext uri="{28A0092B-C50C-407E-A947-70E740481C1C}">
-                <a14:useLocalDpi xmlns:a14="http://schemas.microsoft.com/office/drawing/2010/main" val="0"/>
-              </a:ext>
-            </a:extLst>
-          </a:blip>
-          <a:stretch>
-            <a:fillRect/>
-          </a:stretch>
-        </p:blipFill>
-        <p:spPr>
-          <a:xfrm>
-            <a:off x="5578141" y="3007348"/>
-            <a:ext cx="190800" cy="190800"/>
-          </a:xfrm>
-          <a:prstGeom prst="rect">
-            <a:avLst/>
-          </a:prstGeom>
-        </p:spPr>
-      </p:pic>
-      <p:pic>
-        <p:nvPicPr>
-          <p:cNvPr id="287" name="Afbeelding 286"/>
-          <p:cNvPicPr>
-            <a:picLocks noChangeAspect="1"/>
-          </p:cNvPicPr>
-          <p:nvPr/>
-        </p:nvPicPr>
-        <p:blipFill>
-          <a:blip r:embed="rId59" cstate="print">
-            <a:extLst>
-              <a:ext uri="{28A0092B-C50C-407E-A947-70E740481C1C}">
-                <a14:useLocalDpi xmlns:a14="http://schemas.microsoft.com/office/drawing/2010/main" val="0"/>
-              </a:ext>
-            </a:extLst>
-          </a:blip>
-          <a:stretch>
-            <a:fillRect/>
-          </a:stretch>
-        </p:blipFill>
-        <p:spPr>
-          <a:xfrm>
-            <a:off x="5792450" y="3007348"/>
-            <a:ext cx="190800" cy="190800"/>
-          </a:xfrm>
-          <a:prstGeom prst="rect">
-            <a:avLst/>
-          </a:prstGeom>
-        </p:spPr>
-      </p:pic>
-      <p:pic>
-        <p:nvPicPr>
-          <p:cNvPr id="288" name="Afbeelding 287"/>
-          <p:cNvPicPr>
-            <a:picLocks noChangeAspect="1"/>
-          </p:cNvPicPr>
-          <p:nvPr/>
-        </p:nvPicPr>
-        <p:blipFill>
-          <a:blip r:embed="rId60" cstate="print">
-            <a:extLst>
-              <a:ext uri="{28A0092B-C50C-407E-A947-70E740481C1C}">
-                <a14:useLocalDpi xmlns:a14="http://schemas.microsoft.com/office/drawing/2010/main" val="0"/>
-              </a:ext>
-            </a:extLst>
-          </a:blip>
-          <a:stretch>
-            <a:fillRect/>
-          </a:stretch>
-        </p:blipFill>
-        <p:spPr>
-          <a:xfrm>
-            <a:off x="6006759" y="3007348"/>
-            <a:ext cx="190800" cy="190800"/>
-          </a:xfrm>
-          <a:prstGeom prst="rect">
-            <a:avLst/>
-          </a:prstGeom>
-        </p:spPr>
-      </p:pic>
-      <p:pic>
-        <p:nvPicPr>
-          <p:cNvPr id="289" name="Afbeelding 288"/>
-          <p:cNvPicPr>
-            <a:picLocks noChangeAspect="1"/>
-          </p:cNvPicPr>
-          <p:nvPr/>
-        </p:nvPicPr>
-        <p:blipFill>
-          <a:blip r:embed="rId61" cstate="print">
-            <a:extLst>
-              <a:ext uri="{28A0092B-C50C-407E-A947-70E740481C1C}">
-                <a14:useLocalDpi xmlns:a14="http://schemas.microsoft.com/office/drawing/2010/main" val="0"/>
-              </a:ext>
-            </a:extLst>
-          </a:blip>
-          <a:stretch>
-            <a:fillRect/>
-          </a:stretch>
-        </p:blipFill>
-        <p:spPr>
-          <a:xfrm>
-            <a:off x="6221072" y="3007348"/>
-            <a:ext cx="190800" cy="190800"/>
-          </a:xfrm>
-          <a:prstGeom prst="rect">
-            <a:avLst/>
-          </a:prstGeom>
-        </p:spPr>
-      </p:pic>
-      <p:pic>
-        <p:nvPicPr>
-          <p:cNvPr id="290" name="Afbeelding 289"/>
-          <p:cNvPicPr>
-            <a:picLocks noChangeAspect="1"/>
-          </p:cNvPicPr>
-          <p:nvPr/>
-        </p:nvPicPr>
-        <p:blipFill>
-          <a:blip r:embed="rId62" cstate="print">
-            <a:extLst>
-              <a:ext uri="{28A0092B-C50C-407E-A947-70E740481C1C}">
-                <a14:useLocalDpi xmlns:a14="http://schemas.microsoft.com/office/drawing/2010/main" val="0"/>
-              </a:ext>
-            </a:extLst>
-          </a:blip>
-          <a:stretch>
-            <a:fillRect/>
-          </a:stretch>
-        </p:blipFill>
-        <p:spPr>
-          <a:xfrm>
-            <a:off x="3863669" y="3250616"/>
-            <a:ext cx="190800" cy="190800"/>
-          </a:xfrm>
-          <a:prstGeom prst="rect">
-            <a:avLst/>
-          </a:prstGeom>
-        </p:spPr>
-      </p:pic>
-      <p:pic>
-        <p:nvPicPr>
-          <p:cNvPr id="291" name="Afbeelding 290"/>
-          <p:cNvPicPr>
-            <a:picLocks noChangeAspect="1"/>
-          </p:cNvPicPr>
-          <p:nvPr/>
-        </p:nvPicPr>
-        <p:blipFill>
-          <a:blip r:embed="rId63" cstate="print">
-            <a:extLst>
-              <a:ext uri="{28A0092B-C50C-407E-A947-70E740481C1C}">
-                <a14:useLocalDpi xmlns:a14="http://schemas.microsoft.com/office/drawing/2010/main" val="0"/>
-              </a:ext>
-            </a:extLst>
-          </a:blip>
-          <a:stretch>
-            <a:fillRect/>
-          </a:stretch>
-        </p:blipFill>
-        <p:spPr>
-          <a:xfrm>
-            <a:off x="4078250" y="3250616"/>
-            <a:ext cx="190800" cy="190800"/>
-          </a:xfrm>
-          <a:prstGeom prst="rect">
-            <a:avLst/>
-          </a:prstGeom>
-        </p:spPr>
-      </p:pic>
-      <p:pic>
-        <p:nvPicPr>
-          <p:cNvPr id="292" name="Afbeelding 291"/>
-          <p:cNvPicPr>
-            <a:picLocks noChangeAspect="1"/>
-          </p:cNvPicPr>
-          <p:nvPr/>
-        </p:nvPicPr>
-        <p:blipFill>
-          <a:blip r:embed="rId64" cstate="print">
-            <a:extLst>
-              <a:ext uri="{28A0092B-C50C-407E-A947-70E740481C1C}">
-                <a14:useLocalDpi xmlns:a14="http://schemas.microsoft.com/office/drawing/2010/main" val="0"/>
-              </a:ext>
-            </a:extLst>
-          </a:blip>
-          <a:stretch>
-            <a:fillRect/>
-          </a:stretch>
-        </p:blipFill>
-        <p:spPr>
-          <a:xfrm>
-            <a:off x="4292831" y="3250616"/>
-            <a:ext cx="190800" cy="190800"/>
-          </a:xfrm>
-          <a:prstGeom prst="rect">
-            <a:avLst/>
-          </a:prstGeom>
-        </p:spPr>
-      </p:pic>
-      <p:pic>
-        <p:nvPicPr>
-          <p:cNvPr id="293" name="Afbeelding 292"/>
-          <p:cNvPicPr>
-            <a:picLocks noChangeAspect="1"/>
-          </p:cNvPicPr>
-          <p:nvPr/>
-        </p:nvPicPr>
-        <p:blipFill>
-          <a:blip r:embed="rId65" cstate="print">
-            <a:extLst>
-              <a:ext uri="{28A0092B-C50C-407E-A947-70E740481C1C}">
-                <a14:useLocalDpi xmlns:a14="http://schemas.microsoft.com/office/drawing/2010/main" val="0"/>
-              </a:ext>
-            </a:extLst>
-          </a:blip>
-          <a:stretch>
-            <a:fillRect/>
-          </a:stretch>
-        </p:blipFill>
-        <p:spPr>
-          <a:xfrm>
-            <a:off x="4507412" y="3250616"/>
-            <a:ext cx="190800" cy="190800"/>
-          </a:xfrm>
-          <a:prstGeom prst="rect">
-            <a:avLst/>
-          </a:prstGeom>
-        </p:spPr>
-      </p:pic>
-      <p:pic>
-        <p:nvPicPr>
-          <p:cNvPr id="294" name="Afbeelding 293"/>
-          <p:cNvPicPr>
-            <a:picLocks noChangeAspect="1"/>
-          </p:cNvPicPr>
-          <p:nvPr/>
-        </p:nvPicPr>
-        <p:blipFill>
-          <a:blip r:embed="rId66" cstate="print">
-            <a:extLst>
-              <a:ext uri="{28A0092B-C50C-407E-A947-70E740481C1C}">
-                <a14:useLocalDpi xmlns:a14="http://schemas.microsoft.com/office/drawing/2010/main" val="0"/>
-              </a:ext>
-            </a:extLst>
-          </a:blip>
-          <a:stretch>
-            <a:fillRect/>
-          </a:stretch>
-        </p:blipFill>
-        <p:spPr>
-          <a:xfrm>
-            <a:off x="4721993" y="3250616"/>
-            <a:ext cx="190800" cy="190800"/>
-          </a:xfrm>
-          <a:prstGeom prst="rect">
-            <a:avLst/>
-          </a:prstGeom>
-        </p:spPr>
-      </p:pic>
-      <p:pic>
-        <p:nvPicPr>
-          <p:cNvPr id="295" name="Afbeelding 294"/>
-          <p:cNvPicPr>
-            <a:picLocks noChangeAspect="1"/>
-          </p:cNvPicPr>
-          <p:nvPr/>
-        </p:nvPicPr>
-        <p:blipFill>
-          <a:blip r:embed="rId67" cstate="print">
-            <a:extLst>
-              <a:ext uri="{28A0092B-C50C-407E-A947-70E740481C1C}">
-                <a14:useLocalDpi xmlns:a14="http://schemas.microsoft.com/office/drawing/2010/main" val="0"/>
-              </a:ext>
-            </a:extLst>
-          </a:blip>
-          <a:stretch>
-            <a:fillRect/>
-          </a:stretch>
-        </p:blipFill>
-        <p:spPr>
-          <a:xfrm>
-            <a:off x="4936574" y="3250616"/>
-            <a:ext cx="190800" cy="190800"/>
-          </a:xfrm>
-          <a:prstGeom prst="rect">
-            <a:avLst/>
-          </a:prstGeom>
-        </p:spPr>
-      </p:pic>
-      <p:pic>
-        <p:nvPicPr>
-          <p:cNvPr id="296" name="Afbeelding 295"/>
-          <p:cNvPicPr>
-            <a:picLocks noChangeAspect="1"/>
-          </p:cNvPicPr>
-          <p:nvPr/>
-        </p:nvPicPr>
-        <p:blipFill>
-          <a:blip r:embed="rId68" cstate="print">
-            <a:extLst>
-              <a:ext uri="{28A0092B-C50C-407E-A947-70E740481C1C}">
-                <a14:useLocalDpi xmlns:a14="http://schemas.microsoft.com/office/drawing/2010/main" val="0"/>
-              </a:ext>
-            </a:extLst>
-          </a:blip>
-          <a:stretch>
-            <a:fillRect/>
-          </a:stretch>
-        </p:blipFill>
-        <p:spPr>
-          <a:xfrm>
-            <a:off x="5151155" y="3250616"/>
-            <a:ext cx="190800" cy="190800"/>
-          </a:xfrm>
-          <a:prstGeom prst="rect">
-            <a:avLst/>
-          </a:prstGeom>
-        </p:spPr>
-      </p:pic>
-      <p:pic>
-        <p:nvPicPr>
-          <p:cNvPr id="297" name="Afbeelding 296"/>
-          <p:cNvPicPr>
-            <a:picLocks noChangeAspect="1"/>
-          </p:cNvPicPr>
-          <p:nvPr/>
-        </p:nvPicPr>
-        <p:blipFill>
-          <a:blip r:embed="rId69" cstate="print">
-            <a:extLst>
-              <a:ext uri="{28A0092B-C50C-407E-A947-70E740481C1C}">
-                <a14:useLocalDpi xmlns:a14="http://schemas.microsoft.com/office/drawing/2010/main" val="0"/>
-              </a:ext>
-            </a:extLst>
-          </a:blip>
-          <a:stretch>
-            <a:fillRect/>
-          </a:stretch>
-        </p:blipFill>
-        <p:spPr>
-          <a:xfrm>
-            <a:off x="5365736" y="3250616"/>
-            <a:ext cx="190800" cy="190800"/>
-          </a:xfrm>
-          <a:prstGeom prst="rect">
-            <a:avLst/>
-          </a:prstGeom>
-        </p:spPr>
-      </p:pic>
-      <p:pic>
-        <p:nvPicPr>
-          <p:cNvPr id="298" name="Afbeelding 297"/>
-          <p:cNvPicPr>
-            <a:picLocks noChangeAspect="1"/>
-          </p:cNvPicPr>
-          <p:nvPr/>
-        </p:nvPicPr>
-        <p:blipFill>
-          <a:blip r:embed="rId70" cstate="print">
-            <a:extLst>
-              <a:ext uri="{28A0092B-C50C-407E-A947-70E740481C1C}">
-                <a14:useLocalDpi xmlns:a14="http://schemas.microsoft.com/office/drawing/2010/main" val="0"/>
-              </a:ext>
-            </a:extLst>
-          </a:blip>
-          <a:stretch>
-            <a:fillRect/>
-          </a:stretch>
-        </p:blipFill>
-        <p:spPr>
-          <a:xfrm>
-            <a:off x="5580317" y="3250616"/>
-            <a:ext cx="190800" cy="190800"/>
-          </a:xfrm>
-          <a:prstGeom prst="rect">
-            <a:avLst/>
-          </a:prstGeom>
-        </p:spPr>
-      </p:pic>
-      <p:pic>
-        <p:nvPicPr>
-          <p:cNvPr id="299" name="Afbeelding 298"/>
-          <p:cNvPicPr>
-            <a:picLocks noChangeAspect="1"/>
-          </p:cNvPicPr>
-          <p:nvPr/>
-        </p:nvPicPr>
-        <p:blipFill>
-          <a:blip r:embed="rId71" cstate="print">
-            <a:extLst>
-              <a:ext uri="{28A0092B-C50C-407E-A947-70E740481C1C}">
-                <a14:useLocalDpi xmlns:a14="http://schemas.microsoft.com/office/drawing/2010/main" val="0"/>
-              </a:ext>
-            </a:extLst>
-          </a:blip>
-          <a:stretch>
-            <a:fillRect/>
-          </a:stretch>
-        </p:blipFill>
-        <p:spPr>
-          <a:xfrm>
-            <a:off x="5794898" y="3250616"/>
-            <a:ext cx="190800" cy="190800"/>
-          </a:xfrm>
-          <a:prstGeom prst="rect">
-            <a:avLst/>
-          </a:prstGeom>
-        </p:spPr>
-      </p:pic>
-      <p:pic>
-        <p:nvPicPr>
-          <p:cNvPr id="300" name="Afbeelding 299"/>
-          <p:cNvPicPr>
-            <a:picLocks noChangeAspect="1"/>
-          </p:cNvPicPr>
-          <p:nvPr/>
-        </p:nvPicPr>
-        <p:blipFill>
-          <a:blip r:embed="rId72" cstate="print">
-            <a:extLst>
-              <a:ext uri="{28A0092B-C50C-407E-A947-70E740481C1C}">
-                <a14:useLocalDpi xmlns:a14="http://schemas.microsoft.com/office/drawing/2010/main" val="0"/>
-              </a:ext>
-            </a:extLst>
-          </a:blip>
-          <a:stretch>
-            <a:fillRect/>
-          </a:stretch>
-        </p:blipFill>
-        <p:spPr>
-          <a:xfrm>
-            <a:off x="6009479" y="3250616"/>
-            <a:ext cx="190800" cy="190800"/>
-          </a:xfrm>
-          <a:prstGeom prst="rect">
-            <a:avLst/>
-          </a:prstGeom>
-        </p:spPr>
-      </p:pic>
-      <p:pic>
-        <p:nvPicPr>
-          <p:cNvPr id="301" name="Afbeelding 300"/>
-          <p:cNvPicPr>
-            <a:picLocks noChangeAspect="1"/>
-          </p:cNvPicPr>
-          <p:nvPr/>
-        </p:nvPicPr>
-        <p:blipFill>
-          <a:blip r:embed="rId73" cstate="print">
-            <a:extLst>
-              <a:ext uri="{28A0092B-C50C-407E-A947-70E740481C1C}">
-                <a14:useLocalDpi xmlns:a14="http://schemas.microsoft.com/office/drawing/2010/main" val="0"/>
-              </a:ext>
-            </a:extLst>
-          </a:blip>
-          <a:stretch>
-            <a:fillRect/>
-          </a:stretch>
-        </p:blipFill>
-        <p:spPr>
-          <a:xfrm>
-            <a:off x="6224058" y="3250616"/>
-            <a:ext cx="190800" cy="190800"/>
-          </a:xfrm>
-          <a:prstGeom prst="rect">
-            <a:avLst/>
-          </a:prstGeom>
-        </p:spPr>
-      </p:pic>
-      <p:pic>
-        <p:nvPicPr>
-          <p:cNvPr id="302" name="Afbeelding 301"/>
-          <p:cNvPicPr>
-            <a:picLocks noChangeAspect="1"/>
-          </p:cNvPicPr>
-          <p:nvPr/>
-        </p:nvPicPr>
-        <p:blipFill>
-          <a:blip r:embed="rId74" cstate="print">
-            <a:extLst>
-              <a:ext uri="{28A0092B-C50C-407E-A947-70E740481C1C}">
-                <a14:useLocalDpi xmlns:a14="http://schemas.microsoft.com/office/drawing/2010/main" val="0"/>
-              </a:ext>
-            </a:extLst>
-          </a:blip>
-          <a:stretch>
-            <a:fillRect/>
-          </a:stretch>
-        </p:blipFill>
-        <p:spPr>
-          <a:xfrm>
-            <a:off x="3030574" y="2771071"/>
-            <a:ext cx="190800" cy="190800"/>
-          </a:xfrm>
-          <a:prstGeom prst="rect">
-            <a:avLst/>
-          </a:prstGeom>
-        </p:spPr>
-      </p:pic>
-      <p:pic>
-        <p:nvPicPr>
-          <p:cNvPr id="303" name="Afbeelding 302"/>
-          <p:cNvPicPr>
-            <a:picLocks noChangeAspect="1"/>
-          </p:cNvPicPr>
-          <p:nvPr/>
-        </p:nvPicPr>
-        <p:blipFill>
-          <a:blip r:embed="rId75" cstate="print">
-            <a:extLst>
-              <a:ext uri="{28A0092B-C50C-407E-A947-70E740481C1C}">
-                <a14:useLocalDpi xmlns:a14="http://schemas.microsoft.com/office/drawing/2010/main" val="0"/>
-              </a:ext>
-            </a:extLst>
-          </a:blip>
-          <a:stretch>
-            <a:fillRect/>
-          </a:stretch>
-        </p:blipFill>
-        <p:spPr>
-          <a:xfrm>
-            <a:off x="3030574" y="3019522"/>
-            <a:ext cx="190800" cy="190800"/>
-          </a:xfrm>
-          <a:prstGeom prst="rect">
-            <a:avLst/>
-          </a:prstGeom>
-        </p:spPr>
-      </p:pic>
-      <p:pic>
-        <p:nvPicPr>
-          <p:cNvPr id="304" name="Afbeelding 303"/>
-          <p:cNvPicPr>
-            <a:picLocks noChangeAspect="1"/>
-          </p:cNvPicPr>
-          <p:nvPr/>
-        </p:nvPicPr>
-        <p:blipFill>
-          <a:blip r:embed="rId76" cstate="print">
-            <a:extLst>
-              <a:ext uri="{28A0092B-C50C-407E-A947-70E740481C1C}">
-                <a14:useLocalDpi xmlns:a14="http://schemas.microsoft.com/office/drawing/2010/main" val="0"/>
-              </a:ext>
-            </a:extLst>
-          </a:blip>
-          <a:stretch>
-            <a:fillRect/>
-          </a:stretch>
-        </p:blipFill>
-        <p:spPr>
-          <a:xfrm>
-            <a:off x="3629775" y="2748093"/>
-            <a:ext cx="190800" cy="190800"/>
-          </a:xfrm>
-          <a:prstGeom prst="rect">
-            <a:avLst/>
-          </a:prstGeom>
-        </p:spPr>
-      </p:pic>
-      <p:pic>
-        <p:nvPicPr>
-          <p:cNvPr id="305" name="Afbeelding 304"/>
-          <p:cNvPicPr>
-            <a:picLocks noChangeAspect="1"/>
-          </p:cNvPicPr>
-          <p:nvPr/>
-        </p:nvPicPr>
-        <p:blipFill>
-          <a:blip r:embed="rId77" cstate="print">
-            <a:extLst>
-              <a:ext uri="{28A0092B-C50C-407E-A947-70E740481C1C}">
-                <a14:useLocalDpi xmlns:a14="http://schemas.microsoft.com/office/drawing/2010/main" val="0"/>
-              </a:ext>
-            </a:extLst>
-          </a:blip>
-          <a:stretch>
-            <a:fillRect/>
-          </a:stretch>
-        </p:blipFill>
-        <p:spPr>
-          <a:xfrm>
-            <a:off x="3629775" y="3019522"/>
-            <a:ext cx="190800" cy="190800"/>
-          </a:xfrm>
-          <a:prstGeom prst="rect">
-            <a:avLst/>
-          </a:prstGeom>
-        </p:spPr>
-      </p:pic>
+            <a:off x="6177524" y="2756762"/>
+            <a:ext cx="360000" cy="360000"/>
+          </a:xfrm>
+          <a:prstGeom prst="rect">
+            <a:avLst/>
+          </a:prstGeom>
+        </p:spPr>
+      </p:pic>
+      <p:sp>
+        <p:nvSpPr>
+          <p:cNvPr id="3" name="Tekstvak 2"/>
+          <p:cNvSpPr txBox="1"/>
+          <p:nvPr/>
+        </p:nvSpPr>
+        <p:spPr>
+          <a:xfrm>
+            <a:off x="3026713" y="1480926"/>
+            <a:ext cx="843960" cy="461665"/>
+          </a:xfrm>
+          <a:prstGeom prst="rect">
+            <a:avLst/>
+          </a:prstGeom>
+          <a:noFill/>
+        </p:spPr>
+        <p:txBody>
+          <a:bodyPr wrap="square" rtlCol="0">
+            <a:spAutoFit/>
+          </a:bodyPr>
+          <a:lstStyle/>
+          <a:p>
+            <a:r>
+              <a:rPr lang="nl-NL" sz="1200" dirty="0" smtClean="0"/>
+              <a:t>1             2</a:t>
+            </a:r>
+          </a:p>
+          <a:p>
+            <a:r>
+              <a:rPr lang="nl-NL" sz="1200" dirty="0" smtClean="0"/>
+              <a:t>3             3</a:t>
+            </a:r>
+            <a:endParaRPr lang="nl-NL" sz="1200" dirty="0"/>
+          </a:p>
+        </p:txBody>
+      </p:sp>
+      <p:sp>
+        <p:nvSpPr>
+          <p:cNvPr id="383" name="Tekstvak 382"/>
+          <p:cNvSpPr txBox="1"/>
+          <p:nvPr/>
+        </p:nvSpPr>
+        <p:spPr>
+          <a:xfrm>
+            <a:off x="3026713" y="3108381"/>
+            <a:ext cx="843960" cy="461665"/>
+          </a:xfrm>
+          <a:prstGeom prst="rect">
+            <a:avLst/>
+          </a:prstGeom>
+          <a:noFill/>
+        </p:spPr>
+        <p:txBody>
+          <a:bodyPr wrap="square" rtlCol="0">
+            <a:spAutoFit/>
+          </a:bodyPr>
+          <a:lstStyle/>
+          <a:p>
+            <a:r>
+              <a:rPr lang="nl-NL" sz="1200" dirty="0" smtClean="0"/>
+              <a:t>3             3</a:t>
+            </a:r>
+          </a:p>
+          <a:p>
+            <a:r>
+              <a:rPr lang="nl-NL" sz="1200" dirty="0" smtClean="0"/>
+              <a:t>1             2</a:t>
+            </a:r>
+            <a:endParaRPr lang="nl-NL" sz="1200" dirty="0"/>
+          </a:p>
+        </p:txBody>
+      </p:sp>
     </p:spTree>
     <p:extLst>
       <p:ext uri="{BB962C8B-B14F-4D97-AF65-F5344CB8AC3E}">
